--- a/Slides/SQL Bootcamp.pptx
+++ b/Slides/SQL Bootcamp.pptx
@@ -5,7 +5,7 @@
     <p:sldMasterId id="2147483648" r:id="rId1"/>
   </p:sldMasterIdLst>
   <p:notesMasterIdLst>
-    <p:notesMasterId r:id="rId30"/>
+    <p:notesMasterId r:id="rId19"/>
   </p:notesMasterIdLst>
   <p:sldIdLst>
     <p:sldId id="256" r:id="rId2"/>
@@ -17,25 +17,14 @@
     <p:sldId id="313" r:id="rId8"/>
     <p:sldId id="315" r:id="rId9"/>
     <p:sldId id="316" r:id="rId10"/>
-    <p:sldId id="318" r:id="rId11"/>
-    <p:sldId id="320" r:id="rId12"/>
+    <p:sldId id="320" r:id="rId11"/>
+    <p:sldId id="356" r:id="rId12"/>
     <p:sldId id="321" r:id="rId13"/>
     <p:sldId id="340" r:id="rId14"/>
     <p:sldId id="355" r:id="rId15"/>
     <p:sldId id="337" r:id="rId16"/>
     <p:sldId id="353" r:id="rId17"/>
     <p:sldId id="271" r:id="rId18"/>
-    <p:sldId id="344" r:id="rId19"/>
-    <p:sldId id="310" r:id="rId20"/>
-    <p:sldId id="354" r:id="rId21"/>
-    <p:sldId id="345" r:id="rId22"/>
-    <p:sldId id="346" r:id="rId23"/>
-    <p:sldId id="347" r:id="rId24"/>
-    <p:sldId id="348" r:id="rId25"/>
-    <p:sldId id="349" r:id="rId26"/>
-    <p:sldId id="350" r:id="rId27"/>
-    <p:sldId id="351" r:id="rId28"/>
-    <p:sldId id="352" r:id="rId29"/>
   </p:sldIdLst>
   <p:sldSz cx="13004800" cy="7302500"/>
   <p:notesSz cx="6858000" cy="9144000"/>
@@ -2503,7 +2492,7 @@
         <p:spPr>
           <a:xfrm>
             <a:off x="635000" y="2273299"/>
-            <a:ext cx="11734800" cy="4324861"/>
+            <a:ext cx="11734800" cy="4689804"/>
           </a:xfrm>
           <a:prstGeom prst="rect">
             <a:avLst/>
@@ -2895,7 +2884,7 @@
     </p:spTree>
     <p:extLst>
       <p:ext uri="{BB962C8B-B14F-4D97-AF65-F5344CB8AC3E}">
-        <p14:creationId xmlns:p14="http://schemas.microsoft.com/office/powerpoint/2010/main" val="3796116771"/>
+        <p14:creationId xmlns:p14="http://schemas.microsoft.com/office/powerpoint/2010/main" val="614179800"/>
       </p:ext>
     </p:extLst>
   </p:cSld>
@@ -3605,7 +3594,7 @@
                   <a:solidFill/>
                 </a:uFill>
               </a:rPr>
-              <a:t>Stands for Structured Query Language</a:t>
+              <a:t>BOOLEAN/TINY INT– 0/1</a:t>
             </a:r>
           </a:p>
           <a:p>
@@ -3633,7 +3622,23 @@
                   <a:solidFill/>
                 </a:uFill>
               </a:rPr>
-              <a:t>Used to ask questions of the database</a:t>
+              <a:t>INT </a:t>
+            </a:r>
+            <a:r>
+              <a:rPr lang="en-US" sz="2500" dirty="0">
+                <a:uFill>
+                  <a:solidFill/>
+                </a:uFill>
+              </a:rPr>
+              <a:t>–</a:t>
+            </a:r>
+            <a:r>
+              <a:rPr lang="en-US" sz="2500" dirty="0" smtClean="0">
+                <a:uFill>
+                  <a:solidFill/>
+                </a:uFill>
+              </a:rPr>
+              <a:t> any whole number</a:t>
             </a:r>
           </a:p>
           <a:p>
@@ -3661,11 +3666,11 @@
                   <a:solidFill/>
                 </a:uFill>
               </a:rPr>
-              <a:t>Many different functions</a:t>
-            </a:r>
-          </a:p>
-          <a:p>
-            <a:pPr marL="177800" lvl="2" indent="-177800" defTabSz="647700">
+              <a:t>FLOAT(&lt;n&gt;,&lt;m&gt;) – number with n digits before the decimal and m digits after the decimal</a:t>
+            </a:r>
+          </a:p>
+          <a:p>
+            <a:pPr marL="177800" lvl="1" indent="-177800" defTabSz="647700">
               <a:lnSpc>
                 <a:spcPct val="110000"/>
               </a:lnSpc>
@@ -3684,24 +3689,16 @@
               </a:defRPr>
             </a:pPr>
             <a:r>
-              <a:rPr lang="en-US" sz="2500" dirty="0">
-                <a:uFill>
-                  <a:solidFill/>
-                </a:uFill>
-              </a:rPr>
-              <a:t> </a:t>
-            </a:r>
-            <a:r>
               <a:rPr lang="en-US" sz="2500" dirty="0" smtClean="0">
                 <a:uFill>
                   <a:solidFill/>
                 </a:uFill>
               </a:rPr>
-              <a:t>    Create data storage repo</a:t>
-            </a:r>
-          </a:p>
-          <a:p>
-            <a:pPr marL="177800" lvl="2" indent="-177800" defTabSz="647700">
+              <a:t>DATETIME, TIMESTAMP, and DATE – various date and time combinations</a:t>
+            </a:r>
+          </a:p>
+          <a:p>
+            <a:pPr marL="177800" lvl="1" indent="-177800" defTabSz="647700">
               <a:lnSpc>
                 <a:spcPct val="110000"/>
               </a:lnSpc>
@@ -3720,24 +3717,16 @@
               </a:defRPr>
             </a:pPr>
             <a:r>
-              <a:rPr lang="en-US" sz="2500" dirty="0">
-                <a:uFill>
-                  <a:solidFill/>
-                </a:uFill>
-              </a:rPr>
-              <a:t> </a:t>
-            </a:r>
-            <a:r>
               <a:rPr lang="en-US" sz="2500" dirty="0" smtClean="0">
                 <a:uFill>
                   <a:solidFill/>
                 </a:uFill>
               </a:rPr>
-              <a:t>    Add data</a:t>
-            </a:r>
-          </a:p>
-          <a:p>
-            <a:pPr marL="177800" lvl="2" indent="-177800" defTabSz="647700">
+              <a:t>CHAR(&lt;length&gt;) – text with a fixed length</a:t>
+            </a:r>
+          </a:p>
+          <a:p>
+            <a:pPr marL="177800" lvl="1" indent="-177800" defTabSz="647700">
               <a:lnSpc>
                 <a:spcPct val="110000"/>
               </a:lnSpc>
@@ -3756,24 +3745,16 @@
               </a:defRPr>
             </a:pPr>
             <a:r>
-              <a:rPr lang="en-US" sz="2500" dirty="0">
-                <a:uFill>
-                  <a:solidFill/>
-                </a:uFill>
-              </a:rPr>
-              <a:t> </a:t>
-            </a:r>
-            <a:r>
               <a:rPr lang="en-US" sz="2500" dirty="0" smtClean="0">
                 <a:uFill>
                   <a:solidFill/>
                 </a:uFill>
               </a:rPr>
-              <a:t>    Get data</a:t>
-            </a:r>
-          </a:p>
-          <a:p>
-            <a:pPr marL="177800" lvl="2" indent="-177800" defTabSz="647700">
+              <a:t>VARCHAR(&lt;length&gt;) – text with a given maximum length</a:t>
+            </a:r>
+          </a:p>
+          <a:p>
+            <a:pPr marL="177800" lvl="1" indent="-177800" defTabSz="647700">
               <a:lnSpc>
                 <a:spcPct val="110000"/>
               </a:lnSpc>
@@ -3792,24 +3773,16 @@
               </a:defRPr>
             </a:pPr>
             <a:r>
-              <a:rPr lang="en-US" sz="2500" dirty="0">
-                <a:uFill>
-                  <a:solidFill/>
-                </a:uFill>
-              </a:rPr>
-              <a:t> </a:t>
-            </a:r>
-            <a:r>
               <a:rPr lang="en-US" sz="2500" dirty="0" smtClean="0">
                 <a:uFill>
                   <a:solidFill/>
                 </a:uFill>
               </a:rPr>
-              <a:t>    Transform data</a:t>
-            </a:r>
-          </a:p>
-          <a:p>
-            <a:pPr marL="177800" lvl="2" indent="-177800" defTabSz="647700">
+              <a:t>And many more…</a:t>
+            </a:r>
+          </a:p>
+          <a:p>
+            <a:pPr marL="177800" lvl="1" indent="-177800" defTabSz="647700">
               <a:lnSpc>
                 <a:spcPct val="110000"/>
               </a:lnSpc>
@@ -3827,58 +3800,11 @@
                 <a:uFillTx/>
               </a:defRPr>
             </a:pPr>
-            <a:r>
-              <a:rPr lang="en-US" sz="2500" dirty="0">
-                <a:uFill>
-                  <a:solidFill/>
-                </a:uFill>
-              </a:rPr>
-              <a:t> </a:t>
-            </a:r>
-            <a:r>
-              <a:rPr lang="en-US" sz="2500" dirty="0" smtClean="0">
-                <a:uFill>
-                  <a:solidFill/>
-                </a:uFill>
-              </a:rPr>
-              <a:t>    Aggregate data</a:t>
-            </a:r>
-          </a:p>
-          <a:p>
-            <a:pPr marL="177800" lvl="2" indent="-177800" defTabSz="647700">
-              <a:lnSpc>
-                <a:spcPct val="110000"/>
-              </a:lnSpc>
-              <a:spcBef>
-                <a:spcPts val="400"/>
-              </a:spcBef>
-              <a:buClrTx/>
-              <a:buSzPct val="85000"/>
-              <a:buFont typeface="Lucida Grande"/>
-              <a:buChar char="‣"/>
-              <a:defRPr sz="1800">
-                <a:solidFill>
-                  <a:srgbClr val="000000"/>
-                </a:solidFill>
-                <a:uFillTx/>
-              </a:defRPr>
-            </a:pPr>
-            <a:r>
-              <a:rPr lang="en-US" sz="2500" dirty="0">
-                <a:uFill>
-                  <a:solidFill/>
-                </a:uFill>
-              </a:rPr>
-              <a:t> </a:t>
-            </a:r>
-            <a:r>
-              <a:rPr lang="en-US" sz="2500" dirty="0" smtClean="0">
-                <a:uFill>
-                  <a:solidFill/>
-                </a:uFill>
-              </a:rPr>
-              <a:t>    Delete data</a:t>
-            </a:r>
+            <a:endParaRPr lang="en-US" sz="2500" dirty="0" smtClean="0">
+              <a:uFill>
+                <a:solidFill/>
+              </a:uFill>
+            </a:endParaRPr>
           </a:p>
         </p:txBody>
       </p:sp>
@@ -3942,7 +3868,7 @@
                   <a:solidFill/>
                 </a:uFill>
               </a:rPr>
-              <a:t>SQL</a:t>
+              <a:t>Data Types</a:t>
             </a:r>
             <a:endParaRPr sz="3600" b="1" cap="all" spc="-72" dirty="0">
               <a:uFill>
@@ -3955,7 +3881,7 @@
     </p:spTree>
     <p:extLst>
       <p:ext uri="{BB962C8B-B14F-4D97-AF65-F5344CB8AC3E}">
-        <p14:creationId xmlns:p14="http://schemas.microsoft.com/office/powerpoint/2010/main" val="614179800"/>
+        <p14:creationId xmlns:p14="http://schemas.microsoft.com/office/powerpoint/2010/main" val="2992592020"/>
       </p:ext>
     </p:extLst>
   </p:cSld>
@@ -4314,104 +4240,6 @@
                       </p:childTnLst>
                     </p:cTn>
                   </p:par>
-                  <p:par>
-                    <p:cTn id="31" fill="hold">
-                      <p:stCondLst>
-                        <p:cond delay="indefinite"/>
-                      </p:stCondLst>
-                      <p:childTnLst>
-                        <p:par>
-                          <p:cTn id="32" fill="hold">
-                            <p:stCondLst>
-                              <p:cond delay="0"/>
-                            </p:stCondLst>
-                            <p:childTnLst>
-                              <p:par>
-                                <p:cTn id="33" presetID="1" presetClass="entr" presetSubtype="0" fill="hold" nodeType="clickEffect">
-                                  <p:stCondLst>
-                                    <p:cond delay="0"/>
-                                  </p:stCondLst>
-                                  <p:childTnLst>
-                                    <p:set>
-                                      <p:cBhvr>
-                                        <p:cTn id="34" dur="1" fill="hold">
-                                          <p:stCondLst>
-                                            <p:cond delay="0"/>
-                                          </p:stCondLst>
-                                        </p:cTn>
-                                        <p:tgtEl>
-                                          <p:spTgt spid="10">
-                                            <p:txEl>
-                                              <p:pRg st="7" end="7"/>
-                                            </p:txEl>
-                                          </p:spTgt>
-                                        </p:tgtEl>
-                                        <p:attrNameLst>
-                                          <p:attrName>style.visibility</p:attrName>
-                                        </p:attrNameLst>
-                                      </p:cBhvr>
-                                      <p:to>
-                                        <p:strVal val="visible"/>
-                                      </p:to>
-                                    </p:set>
-                                  </p:childTnLst>
-                                </p:cTn>
-                              </p:par>
-                            </p:childTnLst>
-                          </p:cTn>
-                        </p:par>
-                      </p:childTnLst>
-                    </p:cTn>
-                  </p:par>
-                  <p:par>
-                    <p:cTn id="35" fill="hold">
-                      <p:stCondLst>
-                        <p:cond delay="indefinite"/>
-                      </p:stCondLst>
-                      <p:childTnLst>
-                        <p:par>
-                          <p:cTn id="36" fill="hold">
-                            <p:stCondLst>
-                              <p:cond delay="0"/>
-                            </p:stCondLst>
-                            <p:childTnLst>
-                              <p:par>
-                                <p:cTn id="37" presetID="1" presetClass="entr" presetSubtype="0" fill="hold" nodeType="clickEffect">
-                                  <p:stCondLst>
-                                    <p:cond delay="0"/>
-                                  </p:stCondLst>
-                                  <p:childTnLst>
-                                    <p:set>
-                                      <p:cBhvr>
-                                        <p:cTn id="38" dur="1" fill="hold">
-                                          <p:stCondLst>
-                                            <p:cond delay="0"/>
-                                          </p:stCondLst>
-                                        </p:cTn>
-                                        <p:tgtEl>
-                                          <p:spTgt spid="10">
-                                            <p:txEl>
-                                              <p:pRg st="8" end="8"/>
-                                            </p:txEl>
-                                          </p:spTgt>
-                                        </p:tgtEl>
-                                        <p:attrNameLst>
-                                          <p:attrName>style.visibility</p:attrName>
-                                        </p:attrNameLst>
-                                      </p:cBhvr>
-                                      <p:to>
-                                        <p:strVal val="visible"/>
-                                      </p:to>
-                                    </p:set>
-                                  </p:childTnLst>
-                                </p:cTn>
-                              </p:par>
-                            </p:childTnLst>
-                          </p:cTn>
-                        </p:par>
-                      </p:childTnLst>
-                    </p:cTn>
-                  </p:par>
                 </p:childTnLst>
               </p:cTn>
               <p:prevCondLst>
@@ -5377,7 +5205,7 @@
                                         <p:tgtEl>
                                           <p:spTgt spid="10">
                                             <p:txEl>
-                                              <p:pRg st="1" end="1"/>
+                                              <p:pRg st="0" end="0"/>
                                             </p:txEl>
                                           </p:spTgt>
                                         </p:tgtEl>
@@ -5426,7 +5254,7 @@
                                         <p:tgtEl>
                                           <p:spTgt spid="10">
                                             <p:txEl>
-                                              <p:pRg st="0" end="0"/>
+                                              <p:pRg st="1" end="1"/>
                                             </p:txEl>
                                           </p:spTgt>
                                         </p:tgtEl>
@@ -8052,18 +7880,7 @@
                   <a:solidFill/>
                 </a:uFill>
               </a:rPr>
-              <a:t>l:  brandonmburroughs@</a:t>
-            </a:r>
-            <a:r>
-              <a:rPr lang="en-US" sz="2500" dirty="0" smtClean="0">
-                <a:solidFill>
-                  <a:schemeClr val="tx1"/>
-                </a:solidFill>
-                <a:uFill>
-                  <a:solidFill/>
-                </a:uFill>
-              </a:rPr>
-              <a:t>gmail.com</a:t>
+              <a:t>l:  brandonmburroughs@gmail.com</a:t>
             </a:r>
             <a:endParaRPr lang="en-US" sz="2500" dirty="0" smtClean="0">
               <a:solidFill>
@@ -8235,693 +8052,6 @@
     <p:tnLst>
       <p:par>
         <p:cTn xmlns:p14="http://schemas.microsoft.com/office/powerpoint/2010/main" id="1" dur="indefinite" restart="never" nodeType="tmRoot"/>
-      </p:par>
-    </p:tnLst>
-  </p:timing>
-</p:sld>
-</file>
-
-<file path=ppt/slides/slide18.xml><?xml version="1.0" encoding="utf-8"?>
-<p:sld xmlns:a="http://schemas.openxmlformats.org/drawingml/2006/main" xmlns:r="http://schemas.openxmlformats.org/officeDocument/2006/relationships" xmlns:p="http://schemas.openxmlformats.org/presentationml/2006/main">
-  <p:cSld>
-    <p:spTree>
-      <p:nvGrpSpPr>
-        <p:cNvPr id="1" name=""/>
-        <p:cNvGrpSpPr/>
-        <p:nvPr/>
-      </p:nvGrpSpPr>
-      <p:grpSpPr>
-        <a:xfrm>
-          <a:off x="0" y="0"/>
-          <a:ext cx="0" cy="0"/>
-          <a:chOff x="0" y="0"/>
-          <a:chExt cx="0" cy="0"/>
-        </a:xfrm>
-      </p:grpSpPr>
-      <p:sp>
-        <p:nvSpPr>
-          <p:cNvPr id="107" name="Shape 107"/>
-          <p:cNvSpPr/>
-          <p:nvPr/>
-        </p:nvSpPr>
-        <p:spPr>
-          <a:xfrm>
-            <a:off x="635000" y="2905531"/>
-            <a:ext cx="11734800" cy="981038"/>
-          </a:xfrm>
-          <a:prstGeom prst="rect">
-            <a:avLst/>
-          </a:prstGeom>
-          <a:ln w="12700">
-            <a:miter lim="400000"/>
-          </a:ln>
-          <a:extLst>
-            <a:ext uri="{C572A759-6A51-4108-AA02-DFA0A04FC94B}">
-              <ma14:wrappingTextBoxFlag xmlns:ma14="http://schemas.microsoft.com/office/mac/drawingml/2011/main" val="1"/>
-            </a:ext>
-          </a:extLst>
-        </p:spPr>
-        <p:txBody>
-          <a:bodyPr lIns="0" tIns="0" rIns="0" bIns="0">
-            <a:spAutoFit/>
-          </a:bodyPr>
-          <a:lstStyle>
-            <a:lvl1pPr>
-              <a:lnSpc>
-                <a:spcPct val="65000"/>
-              </a:lnSpc>
-              <a:defRPr sz="9000" b="1" cap="all" spc="-180">
-                <a:latin typeface="+mj-lt"/>
-                <a:ea typeface="+mj-ea"/>
-                <a:cs typeface="+mj-cs"/>
-                <a:sym typeface="PFDinTextCompPro-Regular"/>
-              </a:defRPr>
-            </a:lvl1pPr>
-          </a:lstStyle>
-          <a:p>
-            <a:pPr lvl="0">
-              <a:defRPr sz="1800" b="0" cap="none" spc="0">
-                <a:solidFill>
-                  <a:srgbClr val="000000"/>
-                </a:solidFill>
-                <a:uFillTx/>
-              </a:defRPr>
-            </a:pPr>
-            <a:r>
-              <a:rPr lang="en-US" sz="9000" b="1" cap="all" spc="-180" dirty="0" smtClean="0">
-                <a:solidFill>
-                  <a:srgbClr val="FFFFFF"/>
-                </a:solidFill>
-                <a:uFill>
-                  <a:solidFill>
-                    <a:srgbClr val="FFFFFF"/>
-                  </a:solidFill>
-                </a:uFill>
-              </a:rPr>
-              <a:t>Extra slides</a:t>
-            </a:r>
-            <a:endParaRPr sz="9000" b="1" cap="all" spc="-180" dirty="0">
-              <a:solidFill>
-                <a:srgbClr val="FFFFFF"/>
-              </a:solidFill>
-              <a:uFill>
-                <a:solidFill>
-                  <a:srgbClr val="FFFFFF"/>
-                </a:solidFill>
-              </a:uFill>
-            </a:endParaRPr>
-          </a:p>
-        </p:txBody>
-      </p:sp>
-      <p:sp>
-        <p:nvSpPr>
-          <p:cNvPr id="108" name="Shape 108"/>
-          <p:cNvSpPr/>
-          <p:nvPr/>
-        </p:nvSpPr>
-        <p:spPr>
-          <a:xfrm>
-            <a:off x="635000" y="635000"/>
-            <a:ext cx="11734800" cy="11"/>
-          </a:xfrm>
-          <a:prstGeom prst="line">
-            <a:avLst/>
-          </a:prstGeom>
-          <a:ln w="12700">
-            <a:solidFill>
-              <a:srgbClr val="FFFFFF"/>
-            </a:solidFill>
-            <a:miter lim="400000"/>
-          </a:ln>
-        </p:spPr>
-        <p:txBody>
-          <a:bodyPr lIns="0" tIns="0" rIns="0" bIns="0"/>
-          <a:lstStyle/>
-          <a:p>
-            <a:pPr lvl="0" defTabSz="457200">
-              <a:buClrTx/>
-              <a:defRPr sz="1200">
-                <a:solidFill>
-                  <a:srgbClr val="000000"/>
-                </a:solidFill>
-                <a:uFillTx/>
-                <a:latin typeface="Helvetica"/>
-                <a:ea typeface="Helvetica"/>
-                <a:cs typeface="Helvetica"/>
-                <a:sym typeface="Helvetica"/>
-              </a:defRPr>
-            </a:pPr>
-            <a:endParaRPr/>
-          </a:p>
-        </p:txBody>
-      </p:sp>
-      <p:sp>
-        <p:nvSpPr>
-          <p:cNvPr id="109" name="Shape 109"/>
-          <p:cNvSpPr/>
-          <p:nvPr/>
-        </p:nvSpPr>
-        <p:spPr>
-          <a:xfrm>
-            <a:off x="635000" y="1219200"/>
-            <a:ext cx="11734800" cy="11"/>
-          </a:xfrm>
-          <a:prstGeom prst="line">
-            <a:avLst/>
-          </a:prstGeom>
-          <a:ln w="12700">
-            <a:solidFill>
-              <a:srgbClr val="FFFFFF"/>
-            </a:solidFill>
-            <a:miter lim="400000"/>
-          </a:ln>
-        </p:spPr>
-        <p:txBody>
-          <a:bodyPr lIns="0" tIns="0" rIns="0" bIns="0"/>
-          <a:lstStyle/>
-          <a:p>
-            <a:pPr lvl="0" defTabSz="457200">
-              <a:buClrTx/>
-              <a:defRPr sz="1200">
-                <a:solidFill>
-                  <a:srgbClr val="000000"/>
-                </a:solidFill>
-                <a:uFillTx/>
-                <a:latin typeface="Helvetica"/>
-                <a:ea typeface="Helvetica"/>
-                <a:cs typeface="Helvetica"/>
-                <a:sym typeface="Helvetica"/>
-              </a:defRPr>
-            </a:pPr>
-            <a:endParaRPr/>
-          </a:p>
-        </p:txBody>
-      </p:sp>
-      <p:sp>
-        <p:nvSpPr>
-          <p:cNvPr id="110" name="Shape 110"/>
-          <p:cNvSpPr/>
-          <p:nvPr/>
-        </p:nvSpPr>
-        <p:spPr>
-          <a:xfrm>
-            <a:off x="635000" y="736600"/>
-            <a:ext cx="7721600" cy="431800"/>
-          </a:xfrm>
-          <a:prstGeom prst="rect">
-            <a:avLst/>
-          </a:prstGeom>
-          <a:ln w="12700">
-            <a:round/>
-          </a:ln>
-          <a:extLst>
-            <a:ext uri="{C572A759-6A51-4108-AA02-DFA0A04FC94B}">
-              <ma14:wrappingTextBoxFlag xmlns:ma14="http://schemas.microsoft.com/office/mac/drawingml/2011/main" val="1"/>
-            </a:ext>
-          </a:extLst>
-        </p:spPr>
-        <p:txBody>
-          <a:bodyPr lIns="0" tIns="0" rIns="0" bIns="0"/>
-          <a:lstStyle>
-            <a:lvl1pPr defTabSz="647700">
-              <a:lnSpc>
-                <a:spcPts val="3200"/>
-              </a:lnSpc>
-              <a:buClr>
-                <a:srgbClr val="000000"/>
-              </a:buClr>
-              <a:buFont typeface="PFDinTextCompPro-Regular"/>
-              <a:defRPr sz="2800" b="1" cap="all" spc="-56">
-                <a:uFill>
-                  <a:solidFill>
-                    <a:srgbClr val="000000"/>
-                  </a:solidFill>
-                </a:uFill>
-                <a:latin typeface="+mj-lt"/>
-                <a:ea typeface="+mj-ea"/>
-                <a:cs typeface="+mj-cs"/>
-                <a:sym typeface="PFDinTextCompPro-Regular"/>
-              </a:defRPr>
-            </a:lvl1pPr>
-          </a:lstStyle>
-          <a:p>
-            <a:pPr lvl="0">
-              <a:defRPr sz="1800" b="0" cap="none" spc="0">
-                <a:solidFill>
-                  <a:srgbClr val="000000"/>
-                </a:solidFill>
-                <a:uFillTx/>
-              </a:defRPr>
-            </a:pPr>
-            <a:r>
-              <a:rPr lang="en-US" sz="2800" b="1" cap="all" spc="-56" dirty="0" smtClean="0">
-                <a:solidFill>
-                  <a:srgbClr val="FFFFFF"/>
-                </a:solidFill>
-                <a:uFill>
-                  <a:solidFill/>
-                </a:uFill>
-              </a:rPr>
-              <a:t>SQL </a:t>
-            </a:r>
-            <a:r>
-              <a:rPr lang="en-US" sz="2800" b="1" cap="all" spc="-56" dirty="0" err="1" smtClean="0">
-                <a:solidFill>
-                  <a:srgbClr val="FFFFFF"/>
-                </a:solidFill>
-                <a:uFill>
-                  <a:solidFill/>
-                </a:uFill>
-              </a:rPr>
-              <a:t>Bootcamp</a:t>
-            </a:r>
-            <a:endParaRPr sz="2800" b="1" cap="all" spc="-56" dirty="0">
-              <a:solidFill>
-                <a:srgbClr val="FFFFFF"/>
-              </a:solidFill>
-              <a:uFill>
-                <a:solidFill/>
-              </a:uFill>
-            </a:endParaRPr>
-          </a:p>
-        </p:txBody>
-      </p:sp>
-    </p:spTree>
-    <p:extLst>
-      <p:ext uri="{BB962C8B-B14F-4D97-AF65-F5344CB8AC3E}">
-        <p14:creationId xmlns:p14="http://schemas.microsoft.com/office/powerpoint/2010/main" val="3668706831"/>
-      </p:ext>
-    </p:extLst>
-  </p:cSld>
-  <p:clrMapOvr>
-    <a:masterClrMapping/>
-  </p:clrMapOvr>
-  <p:transition xmlns:p14="http://schemas.microsoft.com/office/powerpoint/2010/main" spd="med"/>
-  <p:timing>
-    <p:tnLst>
-      <p:par>
-        <p:cTn xmlns:p14="http://schemas.microsoft.com/office/powerpoint/2010/main" id="1" dur="indefinite" restart="never" nodeType="tmRoot"/>
-      </p:par>
-    </p:tnLst>
-  </p:timing>
-</p:sld>
-</file>
-
-<file path=ppt/slides/slide19.xml><?xml version="1.0" encoding="utf-8"?>
-<p:sld xmlns:a="http://schemas.openxmlformats.org/drawingml/2006/main" xmlns:r="http://schemas.openxmlformats.org/officeDocument/2006/relationships" xmlns:p="http://schemas.openxmlformats.org/presentationml/2006/main">
-  <p:cSld>
-    <p:spTree>
-      <p:nvGrpSpPr>
-        <p:cNvPr id="1" name=""/>
-        <p:cNvGrpSpPr/>
-        <p:nvPr/>
-      </p:nvGrpSpPr>
-      <p:grpSpPr>
-        <a:xfrm>
-          <a:off x="0" y="0"/>
-          <a:ext cx="0" cy="0"/>
-          <a:chOff x="0" y="0"/>
-          <a:chExt cx="0" cy="0"/>
-        </a:xfrm>
-      </p:grpSpPr>
-      <p:sp>
-        <p:nvSpPr>
-          <p:cNvPr id="113" name="Shape 113"/>
-          <p:cNvSpPr/>
-          <p:nvPr/>
-        </p:nvSpPr>
-        <p:spPr>
-          <a:xfrm>
-            <a:off x="635000" y="635000"/>
-            <a:ext cx="11734800" cy="11"/>
-          </a:xfrm>
-          <a:prstGeom prst="line">
-            <a:avLst/>
-          </a:prstGeom>
-          <a:ln w="12700">
-            <a:solidFill/>
-            <a:miter lim="400000"/>
-          </a:ln>
-        </p:spPr>
-        <p:txBody>
-          <a:bodyPr lIns="0" tIns="0" rIns="0" bIns="0"/>
-          <a:lstStyle/>
-          <a:p>
-            <a:pPr lvl="0" defTabSz="457200">
-              <a:buClrTx/>
-              <a:defRPr sz="1200">
-                <a:solidFill>
-                  <a:srgbClr val="000000"/>
-                </a:solidFill>
-                <a:uFillTx/>
-                <a:latin typeface="Helvetica"/>
-                <a:ea typeface="Helvetica"/>
-                <a:cs typeface="Helvetica"/>
-                <a:sym typeface="Helvetica"/>
-              </a:defRPr>
-            </a:pPr>
-            <a:endParaRPr/>
-          </a:p>
-        </p:txBody>
-      </p:sp>
-      <p:sp>
-        <p:nvSpPr>
-          <p:cNvPr id="114" name="Shape 114"/>
-          <p:cNvSpPr/>
-          <p:nvPr/>
-        </p:nvSpPr>
-        <p:spPr>
-          <a:xfrm>
-            <a:off x="635000" y="1219200"/>
-            <a:ext cx="11734800" cy="11"/>
-          </a:xfrm>
-          <a:prstGeom prst="line">
-            <a:avLst/>
-          </a:prstGeom>
-          <a:ln w="12700">
-            <a:solidFill/>
-            <a:miter lim="400000"/>
-          </a:ln>
-        </p:spPr>
-        <p:txBody>
-          <a:bodyPr lIns="0" tIns="0" rIns="0" bIns="0"/>
-          <a:lstStyle/>
-          <a:p>
-            <a:pPr lvl="0" defTabSz="457200">
-              <a:buClrTx/>
-              <a:defRPr sz="1200">
-                <a:solidFill>
-                  <a:srgbClr val="000000"/>
-                </a:solidFill>
-                <a:uFillTx/>
-                <a:latin typeface="Helvetica"/>
-                <a:ea typeface="Helvetica"/>
-                <a:cs typeface="Helvetica"/>
-                <a:sym typeface="Helvetica"/>
-              </a:defRPr>
-            </a:pPr>
-            <a:endParaRPr/>
-          </a:p>
-        </p:txBody>
-      </p:sp>
-      <p:sp>
-        <p:nvSpPr>
-          <p:cNvPr id="115" name="Shape 115"/>
-          <p:cNvSpPr/>
-          <p:nvPr/>
-        </p:nvSpPr>
-        <p:spPr>
-          <a:xfrm>
-            <a:off x="635000" y="736600"/>
-            <a:ext cx="7721600" cy="431800"/>
-          </a:xfrm>
-          <a:prstGeom prst="rect">
-            <a:avLst/>
-          </a:prstGeom>
-          <a:ln w="12700">
-            <a:round/>
-          </a:ln>
-          <a:extLst>
-            <a:ext uri="{C572A759-6A51-4108-AA02-DFA0A04FC94B}">
-              <ma14:wrappingTextBoxFlag xmlns:ma14="http://schemas.microsoft.com/office/mac/drawingml/2011/main" val="1"/>
-            </a:ext>
-          </a:extLst>
-        </p:spPr>
-        <p:txBody>
-          <a:bodyPr lIns="0" tIns="0" rIns="0" bIns="0"/>
-          <a:lstStyle>
-            <a:lvl1pPr defTabSz="647700">
-              <a:lnSpc>
-                <a:spcPts val="3200"/>
-              </a:lnSpc>
-              <a:buClr>
-                <a:srgbClr val="000000"/>
-              </a:buClr>
-              <a:buFont typeface="PFDinTextCompPro-Regular"/>
-              <a:defRPr sz="2800" b="1" cap="all" spc="-56">
-                <a:solidFill>
-                  <a:srgbClr val="000000"/>
-                </a:solidFill>
-                <a:uFill>
-                  <a:solidFill>
-                    <a:srgbClr val="000000"/>
-                  </a:solidFill>
-                </a:uFill>
-                <a:latin typeface="+mj-lt"/>
-                <a:ea typeface="+mj-ea"/>
-                <a:cs typeface="+mj-cs"/>
-                <a:sym typeface="PFDinTextCompPro-Regular"/>
-              </a:defRPr>
-            </a:lvl1pPr>
-          </a:lstStyle>
-          <a:p>
-            <a:pPr lvl="0">
-              <a:defRPr sz="1800" b="0" cap="none" spc="0">
-                <a:uFillTx/>
-              </a:defRPr>
-            </a:pPr>
-            <a:r>
-              <a:rPr lang="en-US" sz="2800" b="1" cap="all" spc="-56" dirty="0" smtClean="0">
-                <a:uFill>
-                  <a:solidFill/>
-                </a:uFill>
-              </a:rPr>
-              <a:t>SQL </a:t>
-            </a:r>
-            <a:r>
-              <a:rPr lang="en-US" sz="2800" b="1" cap="all" spc="-56" dirty="0" err="1" smtClean="0">
-                <a:uFill>
-                  <a:solidFill/>
-                </a:uFill>
-              </a:rPr>
-              <a:t>Bootcamp</a:t>
-            </a:r>
-            <a:endParaRPr sz="2800" b="1" cap="all" spc="-56" dirty="0">
-              <a:uFill>
-                <a:solidFill/>
-              </a:uFill>
-            </a:endParaRPr>
-          </a:p>
-        </p:txBody>
-      </p:sp>
-      <p:sp>
-        <p:nvSpPr>
-          <p:cNvPr id="10" name="Shape 92"/>
-          <p:cNvSpPr/>
-          <p:nvPr/>
-        </p:nvSpPr>
-        <p:spPr>
-          <a:xfrm>
-            <a:off x="635000" y="2273300"/>
-            <a:ext cx="11734800" cy="3810000"/>
-          </a:xfrm>
-          <a:prstGeom prst="rect">
-            <a:avLst/>
-          </a:prstGeom>
-          <a:ln w="12700">
-            <a:round/>
-          </a:ln>
-          <a:extLst>
-            <a:ext uri="{C572A759-6A51-4108-AA02-DFA0A04FC94B}">
-              <ma14:wrappingTextBoxFlag xmlns:ma14="http://schemas.microsoft.com/office/mac/drawingml/2011/main" val="1"/>
-            </a:ext>
-          </a:extLst>
-        </p:spPr>
-        <p:txBody>
-          <a:bodyPr lIns="0" tIns="0" rIns="0" bIns="0"/>
-          <a:lstStyle/>
-          <a:p>
-            <a:pPr marL="177800" lvl="1" indent="-177800" defTabSz="647700">
-              <a:lnSpc>
-                <a:spcPct val="110000"/>
-              </a:lnSpc>
-              <a:spcBef>
-                <a:spcPts val="400"/>
-              </a:spcBef>
-              <a:buClrTx/>
-              <a:buSzPct val="85000"/>
-              <a:buFont typeface="Lucida Grande"/>
-              <a:buChar char="‣"/>
-              <a:defRPr sz="1800">
-                <a:solidFill>
-                  <a:srgbClr val="000000"/>
-                </a:solidFill>
-                <a:uFillTx/>
-              </a:defRPr>
-            </a:pPr>
-            <a:r>
-              <a:rPr lang="en-US" sz="2500" dirty="0" smtClean="0">
-                <a:uFill>
-                  <a:solidFill/>
-                </a:uFill>
-              </a:rPr>
-              <a:t>Points</a:t>
-            </a:r>
-            <a:endParaRPr sz="2500" dirty="0">
-              <a:uFill>
-                <a:solidFill/>
-              </a:uFill>
-            </a:endParaRPr>
-          </a:p>
-        </p:txBody>
-      </p:sp>
-      <p:sp>
-        <p:nvSpPr>
-          <p:cNvPr id="11" name="Shape 93"/>
-          <p:cNvSpPr/>
-          <p:nvPr/>
-        </p:nvSpPr>
-        <p:spPr>
-          <a:xfrm>
-            <a:off x="635000" y="1587500"/>
-            <a:ext cx="11734800" cy="392415"/>
-          </a:xfrm>
-          <a:prstGeom prst="rect">
-            <a:avLst/>
-          </a:prstGeom>
-          <a:ln w="12700">
-            <a:miter lim="400000"/>
-          </a:ln>
-          <a:extLst>
-            <a:ext uri="{C572A759-6A51-4108-AA02-DFA0A04FC94B}">
-              <ma14:wrappingTextBoxFlag xmlns:ma14="http://schemas.microsoft.com/office/mac/drawingml/2011/main" val="1"/>
-            </a:ext>
-          </a:extLst>
-        </p:spPr>
-        <p:txBody>
-          <a:bodyPr lIns="0" tIns="0" rIns="0" bIns="0">
-            <a:spAutoFit/>
-          </a:bodyPr>
-          <a:lstStyle>
-            <a:lvl1pPr>
-              <a:lnSpc>
-                <a:spcPct val="65000"/>
-              </a:lnSpc>
-              <a:defRPr sz="3600" b="1" cap="all" spc="-72">
-                <a:solidFill>
-                  <a:srgbClr val="000000"/>
-                </a:solidFill>
-                <a:uFill>
-                  <a:solidFill>
-                    <a:srgbClr val="000000"/>
-                  </a:solidFill>
-                </a:uFill>
-                <a:latin typeface="+mj-lt"/>
-                <a:ea typeface="+mj-ea"/>
-                <a:cs typeface="+mj-cs"/>
-                <a:sym typeface="PFDinTextCompPro-Regular"/>
-              </a:defRPr>
-            </a:lvl1pPr>
-          </a:lstStyle>
-          <a:p>
-            <a:pPr lvl="0">
-              <a:defRPr sz="1800" b="0" cap="none" spc="0">
-                <a:uFillTx/>
-              </a:defRPr>
-            </a:pPr>
-            <a:r>
-              <a:rPr lang="en-US" sz="3600" b="1" cap="all" spc="-72" dirty="0" smtClean="0">
-                <a:uFill>
-                  <a:solidFill/>
-                </a:uFill>
-              </a:rPr>
-              <a:t>Title</a:t>
-            </a:r>
-            <a:endParaRPr sz="3600" b="1" cap="all" spc="-72" dirty="0">
-              <a:uFill>
-                <a:solidFill/>
-              </a:uFill>
-            </a:endParaRPr>
-          </a:p>
-        </p:txBody>
-      </p:sp>
-    </p:spTree>
-    <p:extLst>
-      <p:ext uri="{BB962C8B-B14F-4D97-AF65-F5344CB8AC3E}">
-        <p14:creationId xmlns:p14="http://schemas.microsoft.com/office/powerpoint/2010/main" val="2888107561"/>
-      </p:ext>
-    </p:extLst>
-  </p:cSld>
-  <p:clrMapOvr>
-    <a:masterClrMapping/>
-  </p:clrMapOvr>
-  <p:transition xmlns:p14="http://schemas.microsoft.com/office/powerpoint/2010/main" spd="med"/>
-  <p:timing>
-    <p:tnLst>
-      <p:par>
-        <p:cTn xmlns:p14="http://schemas.microsoft.com/office/powerpoint/2010/main" id="1" dur="indefinite" restart="never" nodeType="tmRoot">
-          <p:childTnLst>
-            <p:seq concurrent="1" nextAc="seek">
-              <p:cTn id="2" dur="indefinite" nodeType="mainSeq">
-                <p:childTnLst>
-                  <p:par>
-                    <p:cTn id="3" fill="hold">
-                      <p:stCondLst>
-                        <p:cond delay="indefinite"/>
-                      </p:stCondLst>
-                      <p:childTnLst>
-                        <p:par>
-                          <p:cTn id="4" fill="hold">
-                            <p:stCondLst>
-                              <p:cond delay="0"/>
-                            </p:stCondLst>
-                            <p:childTnLst>
-                              <p:par>
-                                <p:cTn id="5" presetID="1" presetClass="entr" presetSubtype="0" fill="hold" nodeType="clickEffect">
-                                  <p:stCondLst>
-                                    <p:cond delay="0"/>
-                                  </p:stCondLst>
-                                  <p:childTnLst>
-                                    <p:set>
-                                      <p:cBhvr>
-                                        <p:cTn id="6" dur="1" fill="hold">
-                                          <p:stCondLst>
-                                            <p:cond delay="0"/>
-                                          </p:stCondLst>
-                                        </p:cTn>
-                                        <p:tgtEl>
-                                          <p:spTgt spid="10">
-                                            <p:txEl>
-                                              <p:pRg st="0" end="0"/>
-                                            </p:txEl>
-                                          </p:spTgt>
-                                        </p:tgtEl>
-                                        <p:attrNameLst>
-                                          <p:attrName>style.visibility</p:attrName>
-                                        </p:attrNameLst>
-                                      </p:cBhvr>
-                                      <p:to>
-                                        <p:strVal val="visible"/>
-                                      </p:to>
-                                    </p:set>
-                                  </p:childTnLst>
-                                </p:cTn>
-                              </p:par>
-                            </p:childTnLst>
-                          </p:cTn>
-                        </p:par>
-                      </p:childTnLst>
-                    </p:cTn>
-                  </p:par>
-                </p:childTnLst>
-              </p:cTn>
-              <p:prevCondLst>
-                <p:cond evt="onPrev" delay="0">
-                  <p:tgtEl>
-                    <p:sldTgt/>
-                  </p:tgtEl>
-                </p:cond>
-              </p:prevCondLst>
-              <p:nextCondLst>
-                <p:cond evt="onNext" delay="0">
-                  <p:tgtEl>
-                    <p:sldTgt/>
-                  </p:tgtEl>
-                </p:cond>
-              </p:nextCondLst>
-            </p:seq>
-          </p:childTnLst>
-        </p:cTn>
       </p:par>
     </p:tnLst>
   </p:timing>
@@ -9361,3059 +8491,75 @@
           </a:p>
         </p:txBody>
       </p:sp>
-    </p:spTree>
-    <p:extLst>
-      <p:ext uri="{BB962C8B-B14F-4D97-AF65-F5344CB8AC3E}">
-        <p14:creationId xmlns:p14="http://schemas.microsoft.com/office/powerpoint/2010/main" val="701633337"/>
-      </p:ext>
-    </p:extLst>
-  </p:cSld>
-  <p:clrMapOvr>
-    <a:masterClrMapping/>
-  </p:clrMapOvr>
-  <p:transition xmlns:p14="http://schemas.microsoft.com/office/powerpoint/2010/main" spd="med"/>
-  <p:timing>
-    <p:tnLst>
-      <p:par>
-        <p:cTn xmlns:p14="http://schemas.microsoft.com/office/powerpoint/2010/main" id="1" dur="indefinite" restart="never" nodeType="tmRoot">
-          <p:childTnLst>
-            <p:seq concurrent="1" nextAc="seek">
-              <p:cTn id="2" dur="indefinite" nodeType="mainSeq">
-                <p:childTnLst>
-                  <p:par>
-                    <p:cTn id="3" fill="hold">
-                      <p:stCondLst>
-                        <p:cond delay="indefinite"/>
-                      </p:stCondLst>
-                      <p:childTnLst>
-                        <p:par>
-                          <p:cTn id="4" fill="hold">
-                            <p:stCondLst>
-                              <p:cond delay="0"/>
-                            </p:stCondLst>
-                            <p:childTnLst>
-                              <p:par>
-                                <p:cTn id="5" presetID="1" presetClass="entr" presetSubtype="0" fill="hold" nodeType="clickEffect">
-                                  <p:stCondLst>
-                                    <p:cond delay="0"/>
-                                  </p:stCondLst>
-                                  <p:childTnLst>
-                                    <p:set>
-                                      <p:cBhvr>
-                                        <p:cTn id="6" dur="1" fill="hold">
-                                          <p:stCondLst>
-                                            <p:cond delay="0"/>
-                                          </p:stCondLst>
-                                        </p:cTn>
-                                        <p:tgtEl>
-                                          <p:spTgt spid="10">
-                                            <p:txEl>
-                                              <p:pRg st="0" end="0"/>
-                                            </p:txEl>
-                                          </p:spTgt>
-                                        </p:tgtEl>
-                                        <p:attrNameLst>
-                                          <p:attrName>style.visibility</p:attrName>
-                                        </p:attrNameLst>
-                                      </p:cBhvr>
-                                      <p:to>
-                                        <p:strVal val="visible"/>
-                                      </p:to>
-                                    </p:set>
-                                  </p:childTnLst>
-                                </p:cTn>
-                              </p:par>
-                            </p:childTnLst>
-                          </p:cTn>
-                        </p:par>
-                      </p:childTnLst>
-                    </p:cTn>
-                  </p:par>
-                  <p:par>
-                    <p:cTn id="7" fill="hold">
-                      <p:stCondLst>
-                        <p:cond delay="indefinite"/>
-                      </p:stCondLst>
-                      <p:childTnLst>
-                        <p:par>
-                          <p:cTn id="8" fill="hold">
-                            <p:stCondLst>
-                              <p:cond delay="0"/>
-                            </p:stCondLst>
-                            <p:childTnLst>
-                              <p:par>
-                                <p:cTn id="9" presetID="1" presetClass="entr" presetSubtype="0" fill="hold" nodeType="clickEffect">
-                                  <p:stCondLst>
-                                    <p:cond delay="0"/>
-                                  </p:stCondLst>
-                                  <p:childTnLst>
-                                    <p:set>
-                                      <p:cBhvr>
-                                        <p:cTn id="10" dur="1" fill="hold">
-                                          <p:stCondLst>
-                                            <p:cond delay="0"/>
-                                          </p:stCondLst>
-                                        </p:cTn>
-                                        <p:tgtEl>
-                                          <p:spTgt spid="10">
-                                            <p:txEl>
-                                              <p:pRg st="1" end="1"/>
-                                            </p:txEl>
-                                          </p:spTgt>
-                                        </p:tgtEl>
-                                        <p:attrNameLst>
-                                          <p:attrName>style.visibility</p:attrName>
-                                        </p:attrNameLst>
-                                      </p:cBhvr>
-                                      <p:to>
-                                        <p:strVal val="visible"/>
-                                      </p:to>
-                                    </p:set>
-                                  </p:childTnLst>
-                                </p:cTn>
-                              </p:par>
-                            </p:childTnLst>
-                          </p:cTn>
-                        </p:par>
-                      </p:childTnLst>
-                    </p:cTn>
-                  </p:par>
-                  <p:par>
-                    <p:cTn id="11" fill="hold">
-                      <p:stCondLst>
-                        <p:cond delay="indefinite"/>
-                      </p:stCondLst>
-                      <p:childTnLst>
-                        <p:par>
-                          <p:cTn id="12" fill="hold">
-                            <p:stCondLst>
-                              <p:cond delay="0"/>
-                            </p:stCondLst>
-                            <p:childTnLst>
-                              <p:par>
-                                <p:cTn id="13" presetID="1" presetClass="entr" presetSubtype="0" fill="hold" nodeType="clickEffect">
-                                  <p:stCondLst>
-                                    <p:cond delay="0"/>
-                                  </p:stCondLst>
-                                  <p:childTnLst>
-                                    <p:set>
-                                      <p:cBhvr>
-                                        <p:cTn id="14" dur="1" fill="hold">
-                                          <p:stCondLst>
-                                            <p:cond delay="0"/>
-                                          </p:stCondLst>
-                                        </p:cTn>
-                                        <p:tgtEl>
-                                          <p:spTgt spid="10">
-                                            <p:txEl>
-                                              <p:pRg st="2" end="2"/>
-                                            </p:txEl>
-                                          </p:spTgt>
-                                        </p:tgtEl>
-                                        <p:attrNameLst>
-                                          <p:attrName>style.visibility</p:attrName>
-                                        </p:attrNameLst>
-                                      </p:cBhvr>
-                                      <p:to>
-                                        <p:strVal val="visible"/>
-                                      </p:to>
-                                    </p:set>
-                                  </p:childTnLst>
-                                </p:cTn>
-                              </p:par>
-                            </p:childTnLst>
-                          </p:cTn>
-                        </p:par>
-                      </p:childTnLst>
-                    </p:cTn>
-                  </p:par>
-                </p:childTnLst>
-              </p:cTn>
-              <p:prevCondLst>
-                <p:cond evt="onPrev" delay="0">
-                  <p:tgtEl>
-                    <p:sldTgt/>
-                  </p:tgtEl>
-                </p:cond>
-              </p:prevCondLst>
-              <p:nextCondLst>
-                <p:cond evt="onNext" delay="0">
-                  <p:tgtEl>
-                    <p:sldTgt/>
-                  </p:tgtEl>
-                </p:cond>
-              </p:nextCondLst>
-            </p:seq>
-          </p:childTnLst>
-        </p:cTn>
-      </p:par>
-    </p:tnLst>
-  </p:timing>
-</p:sld>
-</file>
-
-<file path=ppt/slides/slide20.xml><?xml version="1.0" encoding="utf-8"?>
-<p:sld xmlns:a="http://schemas.openxmlformats.org/drawingml/2006/main" xmlns:r="http://schemas.openxmlformats.org/officeDocument/2006/relationships" xmlns:p="http://schemas.openxmlformats.org/presentationml/2006/main">
-  <p:cSld>
-    <p:spTree>
-      <p:nvGrpSpPr>
-        <p:cNvPr id="1" name=""/>
-        <p:cNvGrpSpPr/>
-        <p:nvPr/>
-      </p:nvGrpSpPr>
-      <p:grpSpPr>
-        <a:xfrm>
-          <a:off x="0" y="0"/>
-          <a:ext cx="0" cy="0"/>
-          <a:chOff x="0" y="0"/>
-          <a:chExt cx="0" cy="0"/>
-        </a:xfrm>
-      </p:grpSpPr>
+      <p:pic>
+        <p:nvPicPr>
+          <p:cNvPr id="3" name="Picture 2"/>
+          <p:cNvPicPr>
+            <a:picLocks noChangeAspect="1"/>
+          </p:cNvPicPr>
+          <p:nvPr/>
+        </p:nvPicPr>
+        <p:blipFill>
+          <a:blip r:embed="rId2"/>
+          <a:stretch>
+            <a:fillRect/>
+          </a:stretch>
+        </p:blipFill>
+        <p:spPr>
+          <a:xfrm>
+            <a:off x="9918700" y="304800"/>
+            <a:ext cx="2451100" cy="6680200"/>
+          </a:xfrm>
+          <a:prstGeom prst="rect">
+            <a:avLst/>
+          </a:prstGeom>
+        </p:spPr>
+      </p:pic>
       <p:sp>
         <p:nvSpPr>
-          <p:cNvPr id="113" name="Shape 113"/>
+          <p:cNvPr id="9" name="Frame 8"/>
           <p:cNvSpPr/>
           <p:nvPr/>
         </p:nvSpPr>
         <p:spPr>
           <a:xfrm>
-            <a:off x="635000" y="635000"/>
-            <a:ext cx="11734800" cy="11"/>
+            <a:off x="9918700" y="6350000"/>
+            <a:ext cx="2343438" cy="635000"/>
           </a:xfrm>
-          <a:prstGeom prst="line">
+          <a:prstGeom prst="frame">
             <a:avLst/>
           </a:prstGeom>
-          <a:ln w="12700">
-            <a:solidFill/>
-            <a:miter lim="400000"/>
-          </a:ln>
+          <a:solidFill>
+            <a:srgbClr val="C0504D"/>
+          </a:solidFill>
+          <a:ln/>
         </p:spPr>
+        <p:style>
+          <a:lnRef idx="2">
+            <a:schemeClr val="accent5"/>
+          </a:lnRef>
+          <a:fillRef idx="1">
+            <a:schemeClr val="lt1"/>
+          </a:fillRef>
+          <a:effectRef idx="0">
+            <a:schemeClr val="accent5"/>
+          </a:effectRef>
+          <a:fontRef idx="minor">
+            <a:schemeClr val="dk1"/>
+          </a:fontRef>
+        </p:style>
         <p:txBody>
-          <a:bodyPr lIns="0" tIns="0" rIns="0" bIns="0"/>
+          <a:bodyPr/>
           <a:lstStyle/>
           <a:p>
-            <a:pPr lvl="0" defTabSz="457200">
-              <a:buClrTx/>
-              <a:defRPr sz="1200">
-                <a:solidFill>
-                  <a:srgbClr val="000000"/>
-                </a:solidFill>
-                <a:uFillTx/>
-                <a:latin typeface="Helvetica"/>
-                <a:ea typeface="Helvetica"/>
-                <a:cs typeface="Helvetica"/>
-                <a:sym typeface="Helvetica"/>
-              </a:defRPr>
-            </a:pPr>
-            <a:endParaRPr/>
-          </a:p>
-        </p:txBody>
-      </p:sp>
-      <p:sp>
-        <p:nvSpPr>
-          <p:cNvPr id="114" name="Shape 114"/>
-          <p:cNvSpPr/>
-          <p:nvPr/>
-        </p:nvSpPr>
-        <p:spPr>
-          <a:xfrm>
-            <a:off x="635000" y="1219200"/>
-            <a:ext cx="11734800" cy="11"/>
-          </a:xfrm>
-          <a:prstGeom prst="line">
-            <a:avLst/>
-          </a:prstGeom>
-          <a:ln w="12700">
-            <a:solidFill/>
-            <a:miter lim="400000"/>
-          </a:ln>
-        </p:spPr>
-        <p:txBody>
-          <a:bodyPr lIns="0" tIns="0" rIns="0" bIns="0"/>
-          <a:lstStyle/>
-          <a:p>
-            <a:pPr lvl="0" defTabSz="457200">
-              <a:buClrTx/>
-              <a:defRPr sz="1200">
-                <a:solidFill>
-                  <a:srgbClr val="000000"/>
-                </a:solidFill>
-                <a:uFillTx/>
-                <a:latin typeface="Helvetica"/>
-                <a:ea typeface="Helvetica"/>
-                <a:cs typeface="Helvetica"/>
-                <a:sym typeface="Helvetica"/>
-              </a:defRPr>
-            </a:pPr>
-            <a:endParaRPr/>
-          </a:p>
-        </p:txBody>
-      </p:sp>
-      <p:sp>
-        <p:nvSpPr>
-          <p:cNvPr id="115" name="Shape 115"/>
-          <p:cNvSpPr/>
-          <p:nvPr/>
-        </p:nvSpPr>
-        <p:spPr>
-          <a:xfrm>
-            <a:off x="635000" y="736600"/>
-            <a:ext cx="7721600" cy="431800"/>
-          </a:xfrm>
-          <a:prstGeom prst="rect">
-            <a:avLst/>
-          </a:prstGeom>
-          <a:ln w="12700">
-            <a:round/>
-          </a:ln>
-          <a:extLst>
-            <a:ext uri="{C572A759-6A51-4108-AA02-DFA0A04FC94B}">
-              <ma14:wrappingTextBoxFlag xmlns:ma14="http://schemas.microsoft.com/office/mac/drawingml/2011/main" val="1"/>
-            </a:ext>
-          </a:extLst>
-        </p:spPr>
-        <p:txBody>
-          <a:bodyPr lIns="0" tIns="0" rIns="0" bIns="0"/>
-          <a:lstStyle>
-            <a:lvl1pPr defTabSz="647700">
-              <a:lnSpc>
-                <a:spcPts val="3200"/>
-              </a:lnSpc>
-              <a:buClr>
-                <a:srgbClr val="000000"/>
-              </a:buClr>
-              <a:buFont typeface="PFDinTextCompPro-Regular"/>
-              <a:defRPr sz="2800" b="1" cap="all" spc="-56">
-                <a:solidFill>
-                  <a:srgbClr val="000000"/>
-                </a:solidFill>
-                <a:uFill>
-                  <a:solidFill>
-                    <a:srgbClr val="000000"/>
-                  </a:solidFill>
-                </a:uFill>
-                <a:latin typeface="+mj-lt"/>
-                <a:ea typeface="+mj-ea"/>
-                <a:cs typeface="+mj-cs"/>
-                <a:sym typeface="PFDinTextCompPro-Regular"/>
-              </a:defRPr>
-            </a:lvl1pPr>
-          </a:lstStyle>
-          <a:p>
-            <a:pPr lvl="0">
-              <a:defRPr sz="1800" b="0" cap="none" spc="0">
-                <a:uFillTx/>
-              </a:defRPr>
-            </a:pPr>
-            <a:r>
-              <a:rPr lang="en-US" sz="2800" b="1" cap="all" spc="-56" dirty="0" smtClean="0">
-                <a:uFill>
-                  <a:solidFill/>
-                </a:uFill>
-              </a:rPr>
-              <a:t>SQL </a:t>
-            </a:r>
-            <a:r>
-              <a:rPr lang="en-US" sz="2800" b="1" cap="all" spc="-56" dirty="0" err="1" smtClean="0">
-                <a:uFill>
-                  <a:solidFill/>
-                </a:uFill>
-              </a:rPr>
-              <a:t>Bootcamp</a:t>
-            </a:r>
-            <a:endParaRPr sz="2800" b="1" cap="all" spc="-56" dirty="0">
-              <a:uFill>
-                <a:solidFill/>
-              </a:uFill>
-            </a:endParaRPr>
-          </a:p>
-        </p:txBody>
-      </p:sp>
-      <p:sp>
-        <p:nvSpPr>
-          <p:cNvPr id="10" name="Shape 92"/>
-          <p:cNvSpPr/>
-          <p:nvPr/>
-        </p:nvSpPr>
-        <p:spPr>
-          <a:xfrm>
-            <a:off x="635000" y="2273299"/>
-            <a:ext cx="11734800" cy="4689804"/>
-          </a:xfrm>
-          <a:prstGeom prst="rect">
-            <a:avLst/>
-          </a:prstGeom>
-          <a:ln w="12700">
-            <a:round/>
-          </a:ln>
-          <a:extLst>
-            <a:ext uri="{C572A759-6A51-4108-AA02-DFA0A04FC94B}">
-              <ma14:wrappingTextBoxFlag xmlns:ma14="http://schemas.microsoft.com/office/mac/drawingml/2011/main" val="1"/>
-            </a:ext>
-          </a:extLst>
-        </p:spPr>
-        <p:txBody>
-          <a:bodyPr lIns="0" tIns="0" rIns="0" bIns="0"/>
-          <a:lstStyle/>
-          <a:p>
-            <a:pPr marL="177800" lvl="1" indent="-177800" defTabSz="647700">
-              <a:lnSpc>
-                <a:spcPct val="110000"/>
-              </a:lnSpc>
-              <a:spcBef>
-                <a:spcPts val="400"/>
-              </a:spcBef>
-              <a:buClrTx/>
-              <a:buSzPct val="85000"/>
-              <a:buFont typeface="Lucida Grande"/>
-              <a:buChar char="‣"/>
-              <a:defRPr sz="1800">
-                <a:solidFill>
-                  <a:srgbClr val="000000"/>
-                </a:solidFill>
-                <a:uFillTx/>
-              </a:defRPr>
-            </a:pPr>
-            <a:r>
-              <a:rPr lang="en-US" sz="2500" dirty="0" smtClean="0">
-                <a:uFill>
-                  <a:solidFill/>
-                </a:uFill>
-              </a:rPr>
-              <a:t>All code is highlighted in </a:t>
-            </a:r>
-            <a:r>
-              <a:rPr lang="en-US" sz="2500" dirty="0" smtClean="0">
-                <a:solidFill>
-                  <a:srgbClr val="000090"/>
-                </a:solidFill>
-                <a:uFill>
-                  <a:solidFill/>
-                </a:uFill>
-              </a:rPr>
-              <a:t>DARK BLUE</a:t>
-            </a:r>
-          </a:p>
-          <a:p>
-            <a:pPr marL="177800" lvl="1" indent="-177800" defTabSz="647700">
-              <a:lnSpc>
-                <a:spcPct val="110000"/>
-              </a:lnSpc>
-              <a:spcBef>
-                <a:spcPts val="400"/>
-              </a:spcBef>
-              <a:buClrTx/>
-              <a:buSzPct val="85000"/>
-              <a:buFont typeface="Lucida Grande"/>
-              <a:buChar char="‣"/>
-              <a:defRPr sz="1800">
-                <a:solidFill>
-                  <a:srgbClr val="000000"/>
-                </a:solidFill>
-                <a:uFillTx/>
-              </a:defRPr>
-            </a:pPr>
-            <a:r>
-              <a:rPr lang="en-US" sz="2500" dirty="0" smtClean="0">
-                <a:uFill>
-                  <a:solidFill/>
-                </a:uFill>
-              </a:rPr>
-              <a:t>SQL commands end in a semi-colon </a:t>
-            </a:r>
-            <a:r>
-              <a:rPr lang="en-US" sz="2500" dirty="0" smtClean="0">
-                <a:solidFill>
-                  <a:srgbClr val="000090"/>
-                </a:solidFill>
-                <a:uFill>
-                  <a:solidFill/>
-                </a:uFill>
-              </a:rPr>
-              <a:t>;</a:t>
-            </a:r>
-          </a:p>
-          <a:p>
-            <a:pPr marL="177800" lvl="1" indent="-177800" defTabSz="647700">
-              <a:lnSpc>
-                <a:spcPct val="110000"/>
-              </a:lnSpc>
-              <a:spcBef>
-                <a:spcPts val="400"/>
-              </a:spcBef>
-              <a:buClrTx/>
-              <a:buSzPct val="85000"/>
-              <a:buFont typeface="Lucida Grande"/>
-              <a:buChar char="‣"/>
-              <a:defRPr sz="1800">
-                <a:solidFill>
-                  <a:srgbClr val="000000"/>
-                </a:solidFill>
-                <a:uFillTx/>
-              </a:defRPr>
-            </a:pPr>
-            <a:r>
-              <a:rPr lang="en-US" sz="2500" dirty="0" smtClean="0">
-                <a:uFill>
-                  <a:solidFill/>
-                </a:uFill>
-              </a:rPr>
-              <a:t>Throughout this presentation, I use </a:t>
-            </a:r>
-            <a:r>
-              <a:rPr lang="en-US" sz="2500" dirty="0" smtClean="0">
-                <a:solidFill>
-                  <a:srgbClr val="000090"/>
-                </a:solidFill>
-                <a:uFill>
-                  <a:solidFill/>
-                </a:uFill>
-              </a:rPr>
-              <a:t>&lt;value&gt;</a:t>
-            </a:r>
-            <a:r>
-              <a:rPr lang="en-US" sz="2500" dirty="0" smtClean="0">
-                <a:uFill>
-                  <a:solidFill/>
-                </a:uFill>
-              </a:rPr>
-              <a:t> to denote a value that you should replace in your own code.</a:t>
-            </a:r>
-          </a:p>
-        </p:txBody>
-      </p:sp>
-      <p:sp>
-        <p:nvSpPr>
-          <p:cNvPr id="11" name="Shape 93"/>
-          <p:cNvSpPr/>
-          <p:nvPr/>
-        </p:nvSpPr>
-        <p:spPr>
-          <a:xfrm>
-            <a:off x="635000" y="1587500"/>
-            <a:ext cx="11734800" cy="392415"/>
-          </a:xfrm>
-          <a:prstGeom prst="rect">
-            <a:avLst/>
-          </a:prstGeom>
-          <a:ln w="12700">
-            <a:miter lim="400000"/>
-          </a:ln>
-          <a:extLst>
-            <a:ext uri="{C572A759-6A51-4108-AA02-DFA0A04FC94B}">
-              <ma14:wrappingTextBoxFlag xmlns:ma14="http://schemas.microsoft.com/office/mac/drawingml/2011/main" val="1"/>
-            </a:ext>
-          </a:extLst>
-        </p:spPr>
-        <p:txBody>
-          <a:bodyPr lIns="0" tIns="0" rIns="0" bIns="0">
-            <a:spAutoFit/>
-          </a:bodyPr>
-          <a:lstStyle>
-            <a:lvl1pPr>
-              <a:lnSpc>
-                <a:spcPct val="65000"/>
-              </a:lnSpc>
-              <a:defRPr sz="3600" b="1" cap="all" spc="-72">
-                <a:solidFill>
-                  <a:srgbClr val="000000"/>
-                </a:solidFill>
-                <a:uFill>
-                  <a:solidFill>
-                    <a:srgbClr val="000000"/>
-                  </a:solidFill>
-                </a:uFill>
-                <a:latin typeface="+mj-lt"/>
-                <a:ea typeface="+mj-ea"/>
-                <a:cs typeface="+mj-cs"/>
-                <a:sym typeface="PFDinTextCompPro-Regular"/>
-              </a:defRPr>
-            </a:lvl1pPr>
-          </a:lstStyle>
-          <a:p>
-            <a:pPr lvl="0">
-              <a:defRPr sz="1800" b="0" cap="none" spc="0">
-                <a:uFillTx/>
-              </a:defRPr>
-            </a:pPr>
-            <a:r>
-              <a:rPr lang="en-US" sz="3600" b="1" cap="all" spc="-72" dirty="0" smtClean="0">
-                <a:uFill>
-                  <a:solidFill/>
-                </a:uFill>
-              </a:rPr>
-              <a:t>Notes</a:t>
-            </a:r>
-            <a:endParaRPr sz="3600" b="1" cap="all" spc="-72" dirty="0">
-              <a:uFill>
-                <a:solidFill/>
-              </a:uFill>
-            </a:endParaRPr>
+            <a:endParaRPr lang="en-US"/>
           </a:p>
         </p:txBody>
       </p:sp>
     </p:spTree>
     <p:extLst>
       <p:ext uri="{BB962C8B-B14F-4D97-AF65-F5344CB8AC3E}">
-        <p14:creationId xmlns:p14="http://schemas.microsoft.com/office/powerpoint/2010/main" val="3619834325"/>
-      </p:ext>
-    </p:extLst>
-  </p:cSld>
-  <p:clrMapOvr>
-    <a:masterClrMapping/>
-  </p:clrMapOvr>
-  <p:transition xmlns:p14="http://schemas.microsoft.com/office/powerpoint/2010/main" spd="med"/>
-  <p:timing>
-    <p:tnLst>
-      <p:par>
-        <p:cTn xmlns:p14="http://schemas.microsoft.com/office/powerpoint/2010/main" id="1" dur="indefinite" restart="never" nodeType="tmRoot">
-          <p:childTnLst>
-            <p:seq concurrent="1" nextAc="seek">
-              <p:cTn id="2" dur="indefinite" nodeType="mainSeq">
-                <p:childTnLst>
-                  <p:par>
-                    <p:cTn id="3" fill="hold">
-                      <p:stCondLst>
-                        <p:cond delay="indefinite"/>
-                      </p:stCondLst>
-                      <p:childTnLst>
-                        <p:par>
-                          <p:cTn id="4" fill="hold">
-                            <p:stCondLst>
-                              <p:cond delay="0"/>
-                            </p:stCondLst>
-                            <p:childTnLst>
-                              <p:par>
-                                <p:cTn id="5" presetID="1" presetClass="entr" presetSubtype="0" fill="hold" nodeType="clickEffect">
-                                  <p:stCondLst>
-                                    <p:cond delay="0"/>
-                                  </p:stCondLst>
-                                  <p:childTnLst>
-                                    <p:set>
-                                      <p:cBhvr>
-                                        <p:cTn id="6" dur="1" fill="hold">
-                                          <p:stCondLst>
-                                            <p:cond delay="0"/>
-                                          </p:stCondLst>
-                                        </p:cTn>
-                                        <p:tgtEl>
-                                          <p:spTgt spid="10">
-                                            <p:txEl>
-                                              <p:pRg st="0" end="0"/>
-                                            </p:txEl>
-                                          </p:spTgt>
-                                        </p:tgtEl>
-                                        <p:attrNameLst>
-                                          <p:attrName>style.visibility</p:attrName>
-                                        </p:attrNameLst>
-                                      </p:cBhvr>
-                                      <p:to>
-                                        <p:strVal val="visible"/>
-                                      </p:to>
-                                    </p:set>
-                                  </p:childTnLst>
-                                </p:cTn>
-                              </p:par>
-                            </p:childTnLst>
-                          </p:cTn>
-                        </p:par>
-                      </p:childTnLst>
-                    </p:cTn>
-                  </p:par>
-                  <p:par>
-                    <p:cTn id="7" fill="hold">
-                      <p:stCondLst>
-                        <p:cond delay="indefinite"/>
-                      </p:stCondLst>
-                      <p:childTnLst>
-                        <p:par>
-                          <p:cTn id="8" fill="hold">
-                            <p:stCondLst>
-                              <p:cond delay="0"/>
-                            </p:stCondLst>
-                            <p:childTnLst>
-                              <p:par>
-                                <p:cTn id="9" presetID="1" presetClass="entr" presetSubtype="0" fill="hold" nodeType="clickEffect">
-                                  <p:stCondLst>
-                                    <p:cond delay="0"/>
-                                  </p:stCondLst>
-                                  <p:childTnLst>
-                                    <p:set>
-                                      <p:cBhvr>
-                                        <p:cTn id="10" dur="1" fill="hold">
-                                          <p:stCondLst>
-                                            <p:cond delay="0"/>
-                                          </p:stCondLst>
-                                        </p:cTn>
-                                        <p:tgtEl>
-                                          <p:spTgt spid="10">
-                                            <p:txEl>
-                                              <p:pRg st="1" end="1"/>
-                                            </p:txEl>
-                                          </p:spTgt>
-                                        </p:tgtEl>
-                                        <p:attrNameLst>
-                                          <p:attrName>style.visibility</p:attrName>
-                                        </p:attrNameLst>
-                                      </p:cBhvr>
-                                      <p:to>
-                                        <p:strVal val="visible"/>
-                                      </p:to>
-                                    </p:set>
-                                  </p:childTnLst>
-                                </p:cTn>
-                              </p:par>
-                            </p:childTnLst>
-                          </p:cTn>
-                        </p:par>
-                      </p:childTnLst>
-                    </p:cTn>
-                  </p:par>
-                  <p:par>
-                    <p:cTn id="11" fill="hold">
-                      <p:stCondLst>
-                        <p:cond delay="indefinite"/>
-                      </p:stCondLst>
-                      <p:childTnLst>
-                        <p:par>
-                          <p:cTn id="12" fill="hold">
-                            <p:stCondLst>
-                              <p:cond delay="0"/>
-                            </p:stCondLst>
-                            <p:childTnLst>
-                              <p:par>
-                                <p:cTn id="13" presetID="1" presetClass="entr" presetSubtype="0" fill="hold" nodeType="clickEffect">
-                                  <p:stCondLst>
-                                    <p:cond delay="0"/>
-                                  </p:stCondLst>
-                                  <p:childTnLst>
-                                    <p:set>
-                                      <p:cBhvr>
-                                        <p:cTn id="14" dur="1" fill="hold">
-                                          <p:stCondLst>
-                                            <p:cond delay="0"/>
-                                          </p:stCondLst>
-                                        </p:cTn>
-                                        <p:tgtEl>
-                                          <p:spTgt spid="10">
-                                            <p:txEl>
-                                              <p:pRg st="2" end="2"/>
-                                            </p:txEl>
-                                          </p:spTgt>
-                                        </p:tgtEl>
-                                        <p:attrNameLst>
-                                          <p:attrName>style.visibility</p:attrName>
-                                        </p:attrNameLst>
-                                      </p:cBhvr>
-                                      <p:to>
-                                        <p:strVal val="visible"/>
-                                      </p:to>
-                                    </p:set>
-                                  </p:childTnLst>
-                                </p:cTn>
-                              </p:par>
-                            </p:childTnLst>
-                          </p:cTn>
-                        </p:par>
-                      </p:childTnLst>
-                    </p:cTn>
-                  </p:par>
-                </p:childTnLst>
-              </p:cTn>
-              <p:prevCondLst>
-                <p:cond evt="onPrev" delay="0">
-                  <p:tgtEl>
-                    <p:sldTgt/>
-                  </p:tgtEl>
-                </p:cond>
-              </p:prevCondLst>
-              <p:nextCondLst>
-                <p:cond evt="onNext" delay="0">
-                  <p:tgtEl>
-                    <p:sldTgt/>
-                  </p:tgtEl>
-                </p:cond>
-              </p:nextCondLst>
-            </p:seq>
-          </p:childTnLst>
-        </p:cTn>
-      </p:par>
-    </p:tnLst>
-  </p:timing>
-</p:sld>
-</file>
-
-<file path=ppt/slides/slide21.xml><?xml version="1.0" encoding="utf-8"?>
-<p:sld xmlns:a="http://schemas.openxmlformats.org/drawingml/2006/main" xmlns:r="http://schemas.openxmlformats.org/officeDocument/2006/relationships" xmlns:p="http://schemas.openxmlformats.org/presentationml/2006/main">
-  <p:cSld>
-    <p:spTree>
-      <p:nvGrpSpPr>
-        <p:cNvPr id="1" name=""/>
-        <p:cNvGrpSpPr/>
-        <p:nvPr/>
-      </p:nvGrpSpPr>
-      <p:grpSpPr>
-        <a:xfrm>
-          <a:off x="0" y="0"/>
-          <a:ext cx="0" cy="0"/>
-          <a:chOff x="0" y="0"/>
-          <a:chExt cx="0" cy="0"/>
-        </a:xfrm>
-      </p:grpSpPr>
-      <p:sp>
-        <p:nvSpPr>
-          <p:cNvPr id="107" name="Shape 107"/>
-          <p:cNvSpPr/>
-          <p:nvPr/>
-        </p:nvSpPr>
-        <p:spPr>
-          <a:xfrm>
-            <a:off x="635000" y="2905531"/>
-            <a:ext cx="11734800" cy="1881284"/>
-          </a:xfrm>
-          <a:prstGeom prst="rect">
-            <a:avLst/>
-          </a:prstGeom>
-          <a:ln w="12700">
-            <a:miter lim="400000"/>
-          </a:ln>
-          <a:extLst>
-            <a:ext uri="{C572A759-6A51-4108-AA02-DFA0A04FC94B}">
-              <ma14:wrappingTextBoxFlag xmlns:ma14="http://schemas.microsoft.com/office/mac/drawingml/2011/main" val="1"/>
-            </a:ext>
-          </a:extLst>
-        </p:spPr>
-        <p:txBody>
-          <a:bodyPr lIns="0" tIns="0" rIns="0" bIns="0">
-            <a:spAutoFit/>
-          </a:bodyPr>
-          <a:lstStyle>
-            <a:lvl1pPr>
-              <a:lnSpc>
-                <a:spcPct val="65000"/>
-              </a:lnSpc>
-              <a:defRPr sz="9000" b="1" cap="all" spc="-180">
-                <a:latin typeface="+mj-lt"/>
-                <a:ea typeface="+mj-ea"/>
-                <a:cs typeface="+mj-cs"/>
-                <a:sym typeface="PFDinTextCompPro-Regular"/>
-              </a:defRPr>
-            </a:lvl1pPr>
-          </a:lstStyle>
-          <a:p>
-            <a:pPr lvl="0">
-              <a:defRPr sz="1800" b="0" cap="none" spc="0">
-                <a:solidFill>
-                  <a:srgbClr val="000000"/>
-                </a:solidFill>
-                <a:uFillTx/>
-              </a:defRPr>
-            </a:pPr>
-            <a:r>
-              <a:rPr lang="en-US" sz="9000" b="1" cap="all" spc="-180" dirty="0" smtClean="0">
-                <a:solidFill>
-                  <a:srgbClr val="FFFFFF"/>
-                </a:solidFill>
-                <a:uFill>
-                  <a:solidFill>
-                    <a:srgbClr val="FFFFFF"/>
-                  </a:solidFill>
-                </a:uFill>
-              </a:rPr>
-              <a:t>CREATING DATABASES AND TABLES</a:t>
-            </a:r>
-            <a:endParaRPr sz="9000" b="1" cap="all" spc="-180" dirty="0">
-              <a:solidFill>
-                <a:srgbClr val="FFFFFF"/>
-              </a:solidFill>
-              <a:uFill>
-                <a:solidFill>
-                  <a:srgbClr val="FFFFFF"/>
-                </a:solidFill>
-              </a:uFill>
-            </a:endParaRPr>
-          </a:p>
-        </p:txBody>
-      </p:sp>
-      <p:sp>
-        <p:nvSpPr>
-          <p:cNvPr id="108" name="Shape 108"/>
-          <p:cNvSpPr/>
-          <p:nvPr/>
-        </p:nvSpPr>
-        <p:spPr>
-          <a:xfrm>
-            <a:off x="635000" y="635000"/>
-            <a:ext cx="11734800" cy="11"/>
-          </a:xfrm>
-          <a:prstGeom prst="line">
-            <a:avLst/>
-          </a:prstGeom>
-          <a:ln w="12700">
-            <a:solidFill>
-              <a:srgbClr val="FFFFFF"/>
-            </a:solidFill>
-            <a:miter lim="400000"/>
-          </a:ln>
-        </p:spPr>
-        <p:txBody>
-          <a:bodyPr lIns="0" tIns="0" rIns="0" bIns="0"/>
-          <a:lstStyle/>
-          <a:p>
-            <a:pPr lvl="0" defTabSz="457200">
-              <a:buClrTx/>
-              <a:defRPr sz="1200">
-                <a:solidFill>
-                  <a:srgbClr val="000000"/>
-                </a:solidFill>
-                <a:uFillTx/>
-                <a:latin typeface="Helvetica"/>
-                <a:ea typeface="Helvetica"/>
-                <a:cs typeface="Helvetica"/>
-                <a:sym typeface="Helvetica"/>
-              </a:defRPr>
-            </a:pPr>
-            <a:endParaRPr/>
-          </a:p>
-        </p:txBody>
-      </p:sp>
-      <p:sp>
-        <p:nvSpPr>
-          <p:cNvPr id="109" name="Shape 109"/>
-          <p:cNvSpPr/>
-          <p:nvPr/>
-        </p:nvSpPr>
-        <p:spPr>
-          <a:xfrm>
-            <a:off x="635000" y="1219200"/>
-            <a:ext cx="11734800" cy="11"/>
-          </a:xfrm>
-          <a:prstGeom prst="line">
-            <a:avLst/>
-          </a:prstGeom>
-          <a:ln w="12700">
-            <a:solidFill>
-              <a:srgbClr val="FFFFFF"/>
-            </a:solidFill>
-            <a:miter lim="400000"/>
-          </a:ln>
-        </p:spPr>
-        <p:txBody>
-          <a:bodyPr lIns="0" tIns="0" rIns="0" bIns="0"/>
-          <a:lstStyle/>
-          <a:p>
-            <a:pPr lvl="0" defTabSz="457200">
-              <a:buClrTx/>
-              <a:defRPr sz="1200">
-                <a:solidFill>
-                  <a:srgbClr val="000000"/>
-                </a:solidFill>
-                <a:uFillTx/>
-                <a:latin typeface="Helvetica"/>
-                <a:ea typeface="Helvetica"/>
-                <a:cs typeface="Helvetica"/>
-                <a:sym typeface="Helvetica"/>
-              </a:defRPr>
-            </a:pPr>
-            <a:endParaRPr/>
-          </a:p>
-        </p:txBody>
-      </p:sp>
-      <p:sp>
-        <p:nvSpPr>
-          <p:cNvPr id="110" name="Shape 110"/>
-          <p:cNvSpPr/>
-          <p:nvPr/>
-        </p:nvSpPr>
-        <p:spPr>
-          <a:xfrm>
-            <a:off x="635000" y="736600"/>
-            <a:ext cx="7721600" cy="431800"/>
-          </a:xfrm>
-          <a:prstGeom prst="rect">
-            <a:avLst/>
-          </a:prstGeom>
-          <a:ln w="12700">
-            <a:round/>
-          </a:ln>
-          <a:extLst>
-            <a:ext uri="{C572A759-6A51-4108-AA02-DFA0A04FC94B}">
-              <ma14:wrappingTextBoxFlag xmlns:ma14="http://schemas.microsoft.com/office/mac/drawingml/2011/main" val="1"/>
-            </a:ext>
-          </a:extLst>
-        </p:spPr>
-        <p:txBody>
-          <a:bodyPr lIns="0" tIns="0" rIns="0" bIns="0"/>
-          <a:lstStyle>
-            <a:lvl1pPr defTabSz="647700">
-              <a:lnSpc>
-                <a:spcPts val="3200"/>
-              </a:lnSpc>
-              <a:buClr>
-                <a:srgbClr val="000000"/>
-              </a:buClr>
-              <a:buFont typeface="PFDinTextCompPro-Regular"/>
-              <a:defRPr sz="2800" b="1" cap="all" spc="-56">
-                <a:uFill>
-                  <a:solidFill>
-                    <a:srgbClr val="000000"/>
-                  </a:solidFill>
-                </a:uFill>
-                <a:latin typeface="+mj-lt"/>
-                <a:ea typeface="+mj-ea"/>
-                <a:cs typeface="+mj-cs"/>
-                <a:sym typeface="PFDinTextCompPro-Regular"/>
-              </a:defRPr>
-            </a:lvl1pPr>
-          </a:lstStyle>
-          <a:p>
-            <a:pPr lvl="0">
-              <a:defRPr sz="1800" b="0" cap="none" spc="0">
-                <a:solidFill>
-                  <a:srgbClr val="000000"/>
-                </a:solidFill>
-                <a:uFillTx/>
-              </a:defRPr>
-            </a:pPr>
-            <a:r>
-              <a:rPr lang="en-US" sz="2800" b="1" cap="all" spc="-56" dirty="0" smtClean="0">
-                <a:solidFill>
-                  <a:srgbClr val="FFFFFF"/>
-                </a:solidFill>
-                <a:uFill>
-                  <a:solidFill/>
-                </a:uFill>
-              </a:rPr>
-              <a:t>SQL </a:t>
-            </a:r>
-            <a:r>
-              <a:rPr lang="en-US" sz="2800" b="1" cap="all" spc="-56" dirty="0" err="1" smtClean="0">
-                <a:solidFill>
-                  <a:srgbClr val="FFFFFF"/>
-                </a:solidFill>
-                <a:uFill>
-                  <a:solidFill/>
-                </a:uFill>
-              </a:rPr>
-              <a:t>Bootcamp</a:t>
-            </a:r>
-            <a:endParaRPr sz="2800" b="1" cap="all" spc="-56" dirty="0">
-              <a:solidFill>
-                <a:srgbClr val="FFFFFF"/>
-              </a:solidFill>
-              <a:uFill>
-                <a:solidFill/>
-              </a:uFill>
-            </a:endParaRPr>
-          </a:p>
-        </p:txBody>
-      </p:sp>
-    </p:spTree>
-    <p:extLst>
-      <p:ext uri="{BB962C8B-B14F-4D97-AF65-F5344CB8AC3E}">
-        <p14:creationId xmlns:p14="http://schemas.microsoft.com/office/powerpoint/2010/main" val="1930434169"/>
-      </p:ext>
-    </p:extLst>
-  </p:cSld>
-  <p:clrMapOvr>
-    <a:masterClrMapping/>
-  </p:clrMapOvr>
-  <p:transition xmlns:p14="http://schemas.microsoft.com/office/powerpoint/2010/main" spd="med"/>
-  <p:timing>
-    <p:tnLst>
-      <p:par>
-        <p:cTn xmlns:p14="http://schemas.microsoft.com/office/powerpoint/2010/main" id="1" dur="indefinite" restart="never" nodeType="tmRoot"/>
-      </p:par>
-    </p:tnLst>
-  </p:timing>
-</p:sld>
-</file>
-
-<file path=ppt/slides/slide22.xml><?xml version="1.0" encoding="utf-8"?>
-<p:sld xmlns:a="http://schemas.openxmlformats.org/drawingml/2006/main" xmlns:r="http://schemas.openxmlformats.org/officeDocument/2006/relationships" xmlns:p="http://schemas.openxmlformats.org/presentationml/2006/main">
-  <p:cSld>
-    <p:spTree>
-      <p:nvGrpSpPr>
-        <p:cNvPr id="1" name=""/>
-        <p:cNvGrpSpPr/>
-        <p:nvPr/>
-      </p:nvGrpSpPr>
-      <p:grpSpPr>
-        <a:xfrm>
-          <a:off x="0" y="0"/>
-          <a:ext cx="0" cy="0"/>
-          <a:chOff x="0" y="0"/>
-          <a:chExt cx="0" cy="0"/>
-        </a:xfrm>
-      </p:grpSpPr>
-      <p:sp>
-        <p:nvSpPr>
-          <p:cNvPr id="107" name="Shape 107"/>
-          <p:cNvSpPr/>
-          <p:nvPr/>
-        </p:nvSpPr>
-        <p:spPr>
-          <a:xfrm>
-            <a:off x="635000" y="2905531"/>
-            <a:ext cx="11734800" cy="1881284"/>
-          </a:xfrm>
-          <a:prstGeom prst="rect">
-            <a:avLst/>
-          </a:prstGeom>
-          <a:ln w="12700">
-            <a:miter lim="400000"/>
-          </a:ln>
-          <a:extLst>
-            <a:ext uri="{C572A759-6A51-4108-AA02-DFA0A04FC94B}">
-              <ma14:wrappingTextBoxFlag xmlns:ma14="http://schemas.microsoft.com/office/mac/drawingml/2011/main" val="1"/>
-            </a:ext>
-          </a:extLst>
-        </p:spPr>
-        <p:txBody>
-          <a:bodyPr lIns="0" tIns="0" rIns="0" bIns="0">
-            <a:spAutoFit/>
-          </a:bodyPr>
-          <a:lstStyle>
-            <a:lvl1pPr>
-              <a:lnSpc>
-                <a:spcPct val="65000"/>
-              </a:lnSpc>
-              <a:defRPr sz="9000" b="1" cap="all" spc="-180">
-                <a:latin typeface="+mj-lt"/>
-                <a:ea typeface="+mj-ea"/>
-                <a:cs typeface="+mj-cs"/>
-                <a:sym typeface="PFDinTextCompPro-Regular"/>
-              </a:defRPr>
-            </a:lvl1pPr>
-          </a:lstStyle>
-          <a:p>
-            <a:pPr lvl="0">
-              <a:defRPr sz="1800" b="0" cap="none" spc="0">
-                <a:solidFill>
-                  <a:srgbClr val="000000"/>
-                </a:solidFill>
-                <a:uFillTx/>
-              </a:defRPr>
-            </a:pPr>
-            <a:r>
-              <a:rPr lang="en-US" sz="9000" b="1" cap="all" spc="-180" dirty="0" smtClean="0">
-                <a:solidFill>
-                  <a:srgbClr val="FFFFFF"/>
-                </a:solidFill>
-                <a:uFill>
-                  <a:solidFill>
-                    <a:srgbClr val="FFFFFF"/>
-                  </a:solidFill>
-                </a:uFill>
-              </a:rPr>
-              <a:t>ADDING, QUERYING, AND REMOVING DATA</a:t>
-            </a:r>
-            <a:endParaRPr sz="9000" b="1" cap="all" spc="-180" dirty="0">
-              <a:solidFill>
-                <a:srgbClr val="FFFFFF"/>
-              </a:solidFill>
-              <a:uFill>
-                <a:solidFill>
-                  <a:srgbClr val="FFFFFF"/>
-                </a:solidFill>
-              </a:uFill>
-            </a:endParaRPr>
-          </a:p>
-        </p:txBody>
-      </p:sp>
-      <p:sp>
-        <p:nvSpPr>
-          <p:cNvPr id="108" name="Shape 108"/>
-          <p:cNvSpPr/>
-          <p:nvPr/>
-        </p:nvSpPr>
-        <p:spPr>
-          <a:xfrm>
-            <a:off x="635000" y="635000"/>
-            <a:ext cx="11734800" cy="11"/>
-          </a:xfrm>
-          <a:prstGeom prst="line">
-            <a:avLst/>
-          </a:prstGeom>
-          <a:ln w="12700">
-            <a:solidFill>
-              <a:srgbClr val="FFFFFF"/>
-            </a:solidFill>
-            <a:miter lim="400000"/>
-          </a:ln>
-        </p:spPr>
-        <p:txBody>
-          <a:bodyPr lIns="0" tIns="0" rIns="0" bIns="0"/>
-          <a:lstStyle/>
-          <a:p>
-            <a:pPr lvl="0" defTabSz="457200">
-              <a:buClrTx/>
-              <a:defRPr sz="1200">
-                <a:solidFill>
-                  <a:srgbClr val="000000"/>
-                </a:solidFill>
-                <a:uFillTx/>
-                <a:latin typeface="Helvetica"/>
-                <a:ea typeface="Helvetica"/>
-                <a:cs typeface="Helvetica"/>
-                <a:sym typeface="Helvetica"/>
-              </a:defRPr>
-            </a:pPr>
-            <a:endParaRPr/>
-          </a:p>
-        </p:txBody>
-      </p:sp>
-      <p:sp>
-        <p:nvSpPr>
-          <p:cNvPr id="109" name="Shape 109"/>
-          <p:cNvSpPr/>
-          <p:nvPr/>
-        </p:nvSpPr>
-        <p:spPr>
-          <a:xfrm>
-            <a:off x="635000" y="1219200"/>
-            <a:ext cx="11734800" cy="11"/>
-          </a:xfrm>
-          <a:prstGeom prst="line">
-            <a:avLst/>
-          </a:prstGeom>
-          <a:ln w="12700">
-            <a:solidFill>
-              <a:srgbClr val="FFFFFF"/>
-            </a:solidFill>
-            <a:miter lim="400000"/>
-          </a:ln>
-        </p:spPr>
-        <p:txBody>
-          <a:bodyPr lIns="0" tIns="0" rIns="0" bIns="0"/>
-          <a:lstStyle/>
-          <a:p>
-            <a:pPr lvl="0" defTabSz="457200">
-              <a:buClrTx/>
-              <a:defRPr sz="1200">
-                <a:solidFill>
-                  <a:srgbClr val="000000"/>
-                </a:solidFill>
-                <a:uFillTx/>
-                <a:latin typeface="Helvetica"/>
-                <a:ea typeface="Helvetica"/>
-                <a:cs typeface="Helvetica"/>
-                <a:sym typeface="Helvetica"/>
-              </a:defRPr>
-            </a:pPr>
-            <a:endParaRPr/>
-          </a:p>
-        </p:txBody>
-      </p:sp>
-      <p:sp>
-        <p:nvSpPr>
-          <p:cNvPr id="110" name="Shape 110"/>
-          <p:cNvSpPr/>
-          <p:nvPr/>
-        </p:nvSpPr>
-        <p:spPr>
-          <a:xfrm>
-            <a:off x="635000" y="736600"/>
-            <a:ext cx="7721600" cy="431800"/>
-          </a:xfrm>
-          <a:prstGeom prst="rect">
-            <a:avLst/>
-          </a:prstGeom>
-          <a:ln w="12700">
-            <a:round/>
-          </a:ln>
-          <a:extLst>
-            <a:ext uri="{C572A759-6A51-4108-AA02-DFA0A04FC94B}">
-              <ma14:wrappingTextBoxFlag xmlns:ma14="http://schemas.microsoft.com/office/mac/drawingml/2011/main" val="1"/>
-            </a:ext>
-          </a:extLst>
-        </p:spPr>
-        <p:txBody>
-          <a:bodyPr lIns="0" tIns="0" rIns="0" bIns="0"/>
-          <a:lstStyle>
-            <a:lvl1pPr defTabSz="647700">
-              <a:lnSpc>
-                <a:spcPts val="3200"/>
-              </a:lnSpc>
-              <a:buClr>
-                <a:srgbClr val="000000"/>
-              </a:buClr>
-              <a:buFont typeface="PFDinTextCompPro-Regular"/>
-              <a:defRPr sz="2800" b="1" cap="all" spc="-56">
-                <a:uFill>
-                  <a:solidFill>
-                    <a:srgbClr val="000000"/>
-                  </a:solidFill>
-                </a:uFill>
-                <a:latin typeface="+mj-lt"/>
-                <a:ea typeface="+mj-ea"/>
-                <a:cs typeface="+mj-cs"/>
-                <a:sym typeface="PFDinTextCompPro-Regular"/>
-              </a:defRPr>
-            </a:lvl1pPr>
-          </a:lstStyle>
-          <a:p>
-            <a:pPr lvl="0">
-              <a:defRPr sz="1800" b="0" cap="none" spc="0">
-                <a:solidFill>
-                  <a:srgbClr val="000000"/>
-                </a:solidFill>
-                <a:uFillTx/>
-              </a:defRPr>
-            </a:pPr>
-            <a:r>
-              <a:rPr lang="en-US" sz="2800" b="1" cap="all" spc="-56" dirty="0" smtClean="0">
-                <a:solidFill>
-                  <a:srgbClr val="FFFFFF"/>
-                </a:solidFill>
-                <a:uFill>
-                  <a:solidFill/>
-                </a:uFill>
-              </a:rPr>
-              <a:t>SQL </a:t>
-            </a:r>
-            <a:r>
-              <a:rPr lang="en-US" sz="2800" b="1" cap="all" spc="-56" dirty="0" err="1" smtClean="0">
-                <a:solidFill>
-                  <a:srgbClr val="FFFFFF"/>
-                </a:solidFill>
-                <a:uFill>
-                  <a:solidFill/>
-                </a:uFill>
-              </a:rPr>
-              <a:t>Bootcamp</a:t>
-            </a:r>
-            <a:endParaRPr sz="2800" b="1" cap="all" spc="-56" dirty="0">
-              <a:solidFill>
-                <a:srgbClr val="FFFFFF"/>
-              </a:solidFill>
-              <a:uFill>
-                <a:solidFill/>
-              </a:uFill>
-            </a:endParaRPr>
-          </a:p>
-        </p:txBody>
-      </p:sp>
-    </p:spTree>
-    <p:extLst>
-      <p:ext uri="{BB962C8B-B14F-4D97-AF65-F5344CB8AC3E}">
-        <p14:creationId xmlns:p14="http://schemas.microsoft.com/office/powerpoint/2010/main" val="1366664360"/>
-      </p:ext>
-    </p:extLst>
-  </p:cSld>
-  <p:clrMapOvr>
-    <a:masterClrMapping/>
-  </p:clrMapOvr>
-  <p:transition xmlns:p14="http://schemas.microsoft.com/office/powerpoint/2010/main" spd="med"/>
-  <p:timing>
-    <p:tnLst>
-      <p:par>
-        <p:cTn xmlns:p14="http://schemas.microsoft.com/office/powerpoint/2010/main" id="1" dur="indefinite" restart="never" nodeType="tmRoot"/>
-      </p:par>
-    </p:tnLst>
-  </p:timing>
-</p:sld>
-</file>
-
-<file path=ppt/slides/slide23.xml><?xml version="1.0" encoding="utf-8"?>
-<p:sld xmlns:a="http://schemas.openxmlformats.org/drawingml/2006/main" xmlns:r="http://schemas.openxmlformats.org/officeDocument/2006/relationships" xmlns:p="http://schemas.openxmlformats.org/presentationml/2006/main">
-  <p:cSld>
-    <p:spTree>
-      <p:nvGrpSpPr>
-        <p:cNvPr id="1" name=""/>
-        <p:cNvGrpSpPr/>
-        <p:nvPr/>
-      </p:nvGrpSpPr>
-      <p:grpSpPr>
-        <a:xfrm>
-          <a:off x="0" y="0"/>
-          <a:ext cx="0" cy="0"/>
-          <a:chOff x="0" y="0"/>
-          <a:chExt cx="0" cy="0"/>
-        </a:xfrm>
-      </p:grpSpPr>
-      <p:sp>
-        <p:nvSpPr>
-          <p:cNvPr id="107" name="Shape 107"/>
-          <p:cNvSpPr/>
-          <p:nvPr/>
-        </p:nvSpPr>
-        <p:spPr>
-          <a:xfrm>
-            <a:off x="635000" y="2905531"/>
-            <a:ext cx="11734800" cy="1881284"/>
-          </a:xfrm>
-          <a:prstGeom prst="rect">
-            <a:avLst/>
-          </a:prstGeom>
-          <a:ln w="12700">
-            <a:miter lim="400000"/>
-          </a:ln>
-          <a:extLst>
-            <a:ext uri="{C572A759-6A51-4108-AA02-DFA0A04FC94B}">
-              <ma14:wrappingTextBoxFlag xmlns:ma14="http://schemas.microsoft.com/office/mac/drawingml/2011/main" val="1"/>
-            </a:ext>
-          </a:extLst>
-        </p:spPr>
-        <p:txBody>
-          <a:bodyPr lIns="0" tIns="0" rIns="0" bIns="0">
-            <a:spAutoFit/>
-          </a:bodyPr>
-          <a:lstStyle>
-            <a:lvl1pPr>
-              <a:lnSpc>
-                <a:spcPct val="65000"/>
-              </a:lnSpc>
-              <a:defRPr sz="9000" b="1" cap="all" spc="-180">
-                <a:latin typeface="+mj-lt"/>
-                <a:ea typeface="+mj-ea"/>
-                <a:cs typeface="+mj-cs"/>
-                <a:sym typeface="PFDinTextCompPro-Regular"/>
-              </a:defRPr>
-            </a:lvl1pPr>
-          </a:lstStyle>
-          <a:p>
-            <a:pPr lvl="0">
-              <a:defRPr sz="1800" b="0" cap="none" spc="0">
-                <a:solidFill>
-                  <a:srgbClr val="000000"/>
-                </a:solidFill>
-                <a:uFillTx/>
-              </a:defRPr>
-            </a:pPr>
-            <a:r>
-              <a:rPr lang="en-US" sz="9000" b="1" cap="all" spc="-180" dirty="0" smtClean="0">
-                <a:solidFill>
-                  <a:srgbClr val="FFFFFF"/>
-                </a:solidFill>
-                <a:uFill>
-                  <a:solidFill>
-                    <a:srgbClr val="FFFFFF"/>
-                  </a:solidFill>
-                </a:uFill>
-              </a:rPr>
-              <a:t>EXPLORING, DISCOVERING, AND AGGREGATING DATA</a:t>
-            </a:r>
-            <a:endParaRPr sz="9000" b="1" cap="all" spc="-180" dirty="0">
-              <a:solidFill>
-                <a:srgbClr val="FFFFFF"/>
-              </a:solidFill>
-              <a:uFill>
-                <a:solidFill>
-                  <a:srgbClr val="FFFFFF"/>
-                </a:solidFill>
-              </a:uFill>
-            </a:endParaRPr>
-          </a:p>
-        </p:txBody>
-      </p:sp>
-      <p:sp>
-        <p:nvSpPr>
-          <p:cNvPr id="108" name="Shape 108"/>
-          <p:cNvSpPr/>
-          <p:nvPr/>
-        </p:nvSpPr>
-        <p:spPr>
-          <a:xfrm>
-            <a:off x="635000" y="635000"/>
-            <a:ext cx="11734800" cy="11"/>
-          </a:xfrm>
-          <a:prstGeom prst="line">
-            <a:avLst/>
-          </a:prstGeom>
-          <a:ln w="12700">
-            <a:solidFill>
-              <a:srgbClr val="FFFFFF"/>
-            </a:solidFill>
-            <a:miter lim="400000"/>
-          </a:ln>
-        </p:spPr>
-        <p:txBody>
-          <a:bodyPr lIns="0" tIns="0" rIns="0" bIns="0"/>
-          <a:lstStyle/>
-          <a:p>
-            <a:pPr lvl="0" defTabSz="457200">
-              <a:buClrTx/>
-              <a:defRPr sz="1200">
-                <a:solidFill>
-                  <a:srgbClr val="000000"/>
-                </a:solidFill>
-                <a:uFillTx/>
-                <a:latin typeface="Helvetica"/>
-                <a:ea typeface="Helvetica"/>
-                <a:cs typeface="Helvetica"/>
-                <a:sym typeface="Helvetica"/>
-              </a:defRPr>
-            </a:pPr>
-            <a:endParaRPr/>
-          </a:p>
-        </p:txBody>
-      </p:sp>
-      <p:sp>
-        <p:nvSpPr>
-          <p:cNvPr id="109" name="Shape 109"/>
-          <p:cNvSpPr/>
-          <p:nvPr/>
-        </p:nvSpPr>
-        <p:spPr>
-          <a:xfrm>
-            <a:off x="635000" y="1219200"/>
-            <a:ext cx="11734800" cy="11"/>
-          </a:xfrm>
-          <a:prstGeom prst="line">
-            <a:avLst/>
-          </a:prstGeom>
-          <a:ln w="12700">
-            <a:solidFill>
-              <a:srgbClr val="FFFFFF"/>
-            </a:solidFill>
-            <a:miter lim="400000"/>
-          </a:ln>
-        </p:spPr>
-        <p:txBody>
-          <a:bodyPr lIns="0" tIns="0" rIns="0" bIns="0"/>
-          <a:lstStyle/>
-          <a:p>
-            <a:pPr lvl="0" defTabSz="457200">
-              <a:buClrTx/>
-              <a:defRPr sz="1200">
-                <a:solidFill>
-                  <a:srgbClr val="000000"/>
-                </a:solidFill>
-                <a:uFillTx/>
-                <a:latin typeface="Helvetica"/>
-                <a:ea typeface="Helvetica"/>
-                <a:cs typeface="Helvetica"/>
-                <a:sym typeface="Helvetica"/>
-              </a:defRPr>
-            </a:pPr>
-            <a:endParaRPr/>
-          </a:p>
-        </p:txBody>
-      </p:sp>
-      <p:sp>
-        <p:nvSpPr>
-          <p:cNvPr id="110" name="Shape 110"/>
-          <p:cNvSpPr/>
-          <p:nvPr/>
-        </p:nvSpPr>
-        <p:spPr>
-          <a:xfrm>
-            <a:off x="635000" y="736600"/>
-            <a:ext cx="7721600" cy="431800"/>
-          </a:xfrm>
-          <a:prstGeom prst="rect">
-            <a:avLst/>
-          </a:prstGeom>
-          <a:ln w="12700">
-            <a:round/>
-          </a:ln>
-          <a:extLst>
-            <a:ext uri="{C572A759-6A51-4108-AA02-DFA0A04FC94B}">
-              <ma14:wrappingTextBoxFlag xmlns:ma14="http://schemas.microsoft.com/office/mac/drawingml/2011/main" val="1"/>
-            </a:ext>
-          </a:extLst>
-        </p:spPr>
-        <p:txBody>
-          <a:bodyPr lIns="0" tIns="0" rIns="0" bIns="0"/>
-          <a:lstStyle>
-            <a:lvl1pPr defTabSz="647700">
-              <a:lnSpc>
-                <a:spcPts val="3200"/>
-              </a:lnSpc>
-              <a:buClr>
-                <a:srgbClr val="000000"/>
-              </a:buClr>
-              <a:buFont typeface="PFDinTextCompPro-Regular"/>
-              <a:defRPr sz="2800" b="1" cap="all" spc="-56">
-                <a:uFill>
-                  <a:solidFill>
-                    <a:srgbClr val="000000"/>
-                  </a:solidFill>
-                </a:uFill>
-                <a:latin typeface="+mj-lt"/>
-                <a:ea typeface="+mj-ea"/>
-                <a:cs typeface="+mj-cs"/>
-                <a:sym typeface="PFDinTextCompPro-Regular"/>
-              </a:defRPr>
-            </a:lvl1pPr>
-          </a:lstStyle>
-          <a:p>
-            <a:pPr lvl="0">
-              <a:defRPr sz="1800" b="0" cap="none" spc="0">
-                <a:solidFill>
-                  <a:srgbClr val="000000"/>
-                </a:solidFill>
-                <a:uFillTx/>
-              </a:defRPr>
-            </a:pPr>
-            <a:r>
-              <a:rPr lang="en-US" sz="2800" b="1" cap="all" spc="-56" dirty="0" smtClean="0">
-                <a:solidFill>
-                  <a:srgbClr val="FFFFFF"/>
-                </a:solidFill>
-                <a:uFill>
-                  <a:solidFill/>
-                </a:uFill>
-              </a:rPr>
-              <a:t>SQL </a:t>
-            </a:r>
-            <a:r>
-              <a:rPr lang="en-US" sz="2800" b="1" cap="all" spc="-56" dirty="0" err="1" smtClean="0">
-                <a:solidFill>
-                  <a:srgbClr val="FFFFFF"/>
-                </a:solidFill>
-                <a:uFill>
-                  <a:solidFill/>
-                </a:uFill>
-              </a:rPr>
-              <a:t>Bootcamp</a:t>
-            </a:r>
-            <a:endParaRPr sz="2800" b="1" cap="all" spc="-56" dirty="0">
-              <a:solidFill>
-                <a:srgbClr val="FFFFFF"/>
-              </a:solidFill>
-              <a:uFill>
-                <a:solidFill/>
-              </a:uFill>
-            </a:endParaRPr>
-          </a:p>
-        </p:txBody>
-      </p:sp>
-    </p:spTree>
-    <p:extLst>
-      <p:ext uri="{BB962C8B-B14F-4D97-AF65-F5344CB8AC3E}">
-        <p14:creationId xmlns:p14="http://schemas.microsoft.com/office/powerpoint/2010/main" val="4130754323"/>
-      </p:ext>
-    </p:extLst>
-  </p:cSld>
-  <p:clrMapOvr>
-    <a:masterClrMapping/>
-  </p:clrMapOvr>
-  <p:transition xmlns:p14="http://schemas.microsoft.com/office/powerpoint/2010/main" spd="med"/>
-  <p:timing>
-    <p:tnLst>
-      <p:par>
-        <p:cTn xmlns:p14="http://schemas.microsoft.com/office/powerpoint/2010/main" id="1" dur="indefinite" restart="never" nodeType="tmRoot"/>
-      </p:par>
-    </p:tnLst>
-  </p:timing>
-</p:sld>
-</file>
-
-<file path=ppt/slides/slide24.xml><?xml version="1.0" encoding="utf-8"?>
-<p:sld xmlns:a="http://schemas.openxmlformats.org/drawingml/2006/main" xmlns:r="http://schemas.openxmlformats.org/officeDocument/2006/relationships" xmlns:p="http://schemas.openxmlformats.org/presentationml/2006/main">
-  <p:cSld>
-    <p:spTree>
-      <p:nvGrpSpPr>
-        <p:cNvPr id="1" name=""/>
-        <p:cNvGrpSpPr/>
-        <p:nvPr/>
-      </p:nvGrpSpPr>
-      <p:grpSpPr>
-        <a:xfrm>
-          <a:off x="0" y="0"/>
-          <a:ext cx="0" cy="0"/>
-          <a:chOff x="0" y="0"/>
-          <a:chExt cx="0" cy="0"/>
-        </a:xfrm>
-      </p:grpSpPr>
-      <p:sp>
-        <p:nvSpPr>
-          <p:cNvPr id="107" name="Shape 107"/>
-          <p:cNvSpPr/>
-          <p:nvPr/>
-        </p:nvSpPr>
-        <p:spPr>
-          <a:xfrm>
-            <a:off x="635000" y="2905531"/>
-            <a:ext cx="11734800" cy="981038"/>
-          </a:xfrm>
-          <a:prstGeom prst="rect">
-            <a:avLst/>
-          </a:prstGeom>
-          <a:ln w="12700">
-            <a:miter lim="400000"/>
-          </a:ln>
-          <a:extLst>
-            <a:ext uri="{C572A759-6A51-4108-AA02-DFA0A04FC94B}">
-              <ma14:wrappingTextBoxFlag xmlns:ma14="http://schemas.microsoft.com/office/mac/drawingml/2011/main" val="1"/>
-            </a:ext>
-          </a:extLst>
-        </p:spPr>
-        <p:txBody>
-          <a:bodyPr lIns="0" tIns="0" rIns="0" bIns="0">
-            <a:spAutoFit/>
-          </a:bodyPr>
-          <a:lstStyle>
-            <a:lvl1pPr>
-              <a:lnSpc>
-                <a:spcPct val="65000"/>
-              </a:lnSpc>
-              <a:defRPr sz="9000" b="1" cap="all" spc="-180">
-                <a:latin typeface="+mj-lt"/>
-                <a:ea typeface="+mj-ea"/>
-                <a:cs typeface="+mj-cs"/>
-                <a:sym typeface="PFDinTextCompPro-Regular"/>
-              </a:defRPr>
-            </a:lvl1pPr>
-          </a:lstStyle>
-          <a:p>
-            <a:pPr lvl="0">
-              <a:defRPr sz="1800" b="0" cap="none" spc="0">
-                <a:solidFill>
-                  <a:srgbClr val="000000"/>
-                </a:solidFill>
-                <a:uFillTx/>
-              </a:defRPr>
-            </a:pPr>
-            <a:r>
-              <a:rPr lang="en-US" sz="9000" b="1" cap="all" spc="-180" dirty="0" smtClean="0">
-                <a:solidFill>
-                  <a:srgbClr val="FFFFFF"/>
-                </a:solidFill>
-                <a:uFill>
-                  <a:solidFill>
-                    <a:srgbClr val="FFFFFF"/>
-                  </a:solidFill>
-                </a:uFill>
-              </a:rPr>
-              <a:t>Joining Tables</a:t>
-            </a:r>
-            <a:endParaRPr sz="9000" b="1" cap="all" spc="-180" dirty="0">
-              <a:solidFill>
-                <a:srgbClr val="FFFFFF"/>
-              </a:solidFill>
-              <a:uFill>
-                <a:solidFill>
-                  <a:srgbClr val="FFFFFF"/>
-                </a:solidFill>
-              </a:uFill>
-            </a:endParaRPr>
-          </a:p>
-        </p:txBody>
-      </p:sp>
-      <p:sp>
-        <p:nvSpPr>
-          <p:cNvPr id="108" name="Shape 108"/>
-          <p:cNvSpPr/>
-          <p:nvPr/>
-        </p:nvSpPr>
-        <p:spPr>
-          <a:xfrm>
-            <a:off x="635000" y="635000"/>
-            <a:ext cx="11734800" cy="11"/>
-          </a:xfrm>
-          <a:prstGeom prst="line">
-            <a:avLst/>
-          </a:prstGeom>
-          <a:ln w="12700">
-            <a:solidFill>
-              <a:srgbClr val="FFFFFF"/>
-            </a:solidFill>
-            <a:miter lim="400000"/>
-          </a:ln>
-        </p:spPr>
-        <p:txBody>
-          <a:bodyPr lIns="0" tIns="0" rIns="0" bIns="0"/>
-          <a:lstStyle/>
-          <a:p>
-            <a:pPr lvl="0" defTabSz="457200">
-              <a:buClrTx/>
-              <a:defRPr sz="1200">
-                <a:solidFill>
-                  <a:srgbClr val="000000"/>
-                </a:solidFill>
-                <a:uFillTx/>
-                <a:latin typeface="Helvetica"/>
-                <a:ea typeface="Helvetica"/>
-                <a:cs typeface="Helvetica"/>
-                <a:sym typeface="Helvetica"/>
-              </a:defRPr>
-            </a:pPr>
-            <a:endParaRPr/>
-          </a:p>
-        </p:txBody>
-      </p:sp>
-      <p:sp>
-        <p:nvSpPr>
-          <p:cNvPr id="109" name="Shape 109"/>
-          <p:cNvSpPr/>
-          <p:nvPr/>
-        </p:nvSpPr>
-        <p:spPr>
-          <a:xfrm>
-            <a:off x="635000" y="1219200"/>
-            <a:ext cx="11734800" cy="11"/>
-          </a:xfrm>
-          <a:prstGeom prst="line">
-            <a:avLst/>
-          </a:prstGeom>
-          <a:ln w="12700">
-            <a:solidFill>
-              <a:srgbClr val="FFFFFF"/>
-            </a:solidFill>
-            <a:miter lim="400000"/>
-          </a:ln>
-        </p:spPr>
-        <p:txBody>
-          <a:bodyPr lIns="0" tIns="0" rIns="0" bIns="0"/>
-          <a:lstStyle/>
-          <a:p>
-            <a:pPr lvl="0" defTabSz="457200">
-              <a:buClrTx/>
-              <a:defRPr sz="1200">
-                <a:solidFill>
-                  <a:srgbClr val="000000"/>
-                </a:solidFill>
-                <a:uFillTx/>
-                <a:latin typeface="Helvetica"/>
-                <a:ea typeface="Helvetica"/>
-                <a:cs typeface="Helvetica"/>
-                <a:sym typeface="Helvetica"/>
-              </a:defRPr>
-            </a:pPr>
-            <a:endParaRPr/>
-          </a:p>
-        </p:txBody>
-      </p:sp>
-      <p:sp>
-        <p:nvSpPr>
-          <p:cNvPr id="110" name="Shape 110"/>
-          <p:cNvSpPr/>
-          <p:nvPr/>
-        </p:nvSpPr>
-        <p:spPr>
-          <a:xfrm>
-            <a:off x="635000" y="736600"/>
-            <a:ext cx="7721600" cy="431800"/>
-          </a:xfrm>
-          <a:prstGeom prst="rect">
-            <a:avLst/>
-          </a:prstGeom>
-          <a:ln w="12700">
-            <a:round/>
-          </a:ln>
-          <a:extLst>
-            <a:ext uri="{C572A759-6A51-4108-AA02-DFA0A04FC94B}">
-              <ma14:wrappingTextBoxFlag xmlns:ma14="http://schemas.microsoft.com/office/mac/drawingml/2011/main" val="1"/>
-            </a:ext>
-          </a:extLst>
-        </p:spPr>
-        <p:txBody>
-          <a:bodyPr lIns="0" tIns="0" rIns="0" bIns="0"/>
-          <a:lstStyle>
-            <a:lvl1pPr defTabSz="647700">
-              <a:lnSpc>
-                <a:spcPts val="3200"/>
-              </a:lnSpc>
-              <a:buClr>
-                <a:srgbClr val="000000"/>
-              </a:buClr>
-              <a:buFont typeface="PFDinTextCompPro-Regular"/>
-              <a:defRPr sz="2800" b="1" cap="all" spc="-56">
-                <a:uFill>
-                  <a:solidFill>
-                    <a:srgbClr val="000000"/>
-                  </a:solidFill>
-                </a:uFill>
-                <a:latin typeface="+mj-lt"/>
-                <a:ea typeface="+mj-ea"/>
-                <a:cs typeface="+mj-cs"/>
-                <a:sym typeface="PFDinTextCompPro-Regular"/>
-              </a:defRPr>
-            </a:lvl1pPr>
-          </a:lstStyle>
-          <a:p>
-            <a:pPr lvl="0">
-              <a:defRPr sz="1800" b="0" cap="none" spc="0">
-                <a:solidFill>
-                  <a:srgbClr val="000000"/>
-                </a:solidFill>
-                <a:uFillTx/>
-              </a:defRPr>
-            </a:pPr>
-            <a:r>
-              <a:rPr lang="en-US" sz="2800" b="1" cap="all" spc="-56" dirty="0" smtClean="0">
-                <a:solidFill>
-                  <a:srgbClr val="FFFFFF"/>
-                </a:solidFill>
-                <a:uFill>
-                  <a:solidFill/>
-                </a:uFill>
-              </a:rPr>
-              <a:t>SQL </a:t>
-            </a:r>
-            <a:r>
-              <a:rPr lang="en-US" sz="2800" b="1" cap="all" spc="-56" dirty="0" err="1" smtClean="0">
-                <a:solidFill>
-                  <a:srgbClr val="FFFFFF"/>
-                </a:solidFill>
-                <a:uFill>
-                  <a:solidFill/>
-                </a:uFill>
-              </a:rPr>
-              <a:t>Bootcamp</a:t>
-            </a:r>
-            <a:endParaRPr sz="2800" b="1" cap="all" spc="-56" dirty="0">
-              <a:solidFill>
-                <a:srgbClr val="FFFFFF"/>
-              </a:solidFill>
-              <a:uFill>
-                <a:solidFill/>
-              </a:uFill>
-            </a:endParaRPr>
-          </a:p>
-        </p:txBody>
-      </p:sp>
-    </p:spTree>
-    <p:extLst>
-      <p:ext uri="{BB962C8B-B14F-4D97-AF65-F5344CB8AC3E}">
-        <p14:creationId xmlns:p14="http://schemas.microsoft.com/office/powerpoint/2010/main" val="1848852118"/>
-      </p:ext>
-    </p:extLst>
-  </p:cSld>
-  <p:clrMapOvr>
-    <a:masterClrMapping/>
-  </p:clrMapOvr>
-  <p:transition xmlns:p14="http://schemas.microsoft.com/office/powerpoint/2010/main" spd="med"/>
-  <p:timing>
-    <p:tnLst>
-      <p:par>
-        <p:cTn xmlns:p14="http://schemas.microsoft.com/office/powerpoint/2010/main" id="1" dur="indefinite" restart="never" nodeType="tmRoot"/>
-      </p:par>
-    </p:tnLst>
-  </p:timing>
-</p:sld>
-</file>
-
-<file path=ppt/slides/slide25.xml><?xml version="1.0" encoding="utf-8"?>
-<p:sld xmlns:a="http://schemas.openxmlformats.org/drawingml/2006/main" xmlns:r="http://schemas.openxmlformats.org/officeDocument/2006/relationships" xmlns:p="http://schemas.openxmlformats.org/presentationml/2006/main">
-  <p:cSld>
-    <p:spTree>
-      <p:nvGrpSpPr>
-        <p:cNvPr id="1" name=""/>
-        <p:cNvGrpSpPr/>
-        <p:nvPr/>
-      </p:nvGrpSpPr>
-      <p:grpSpPr>
-        <a:xfrm>
-          <a:off x="0" y="0"/>
-          <a:ext cx="0" cy="0"/>
-          <a:chOff x="0" y="0"/>
-          <a:chExt cx="0" cy="0"/>
-        </a:xfrm>
-      </p:grpSpPr>
-      <p:sp>
-        <p:nvSpPr>
-          <p:cNvPr id="107" name="Shape 107"/>
-          <p:cNvSpPr/>
-          <p:nvPr/>
-        </p:nvSpPr>
-        <p:spPr>
-          <a:xfrm>
-            <a:off x="635000" y="2905531"/>
-            <a:ext cx="11734800" cy="1881284"/>
-          </a:xfrm>
-          <a:prstGeom prst="rect">
-            <a:avLst/>
-          </a:prstGeom>
-          <a:ln w="12700">
-            <a:miter lim="400000"/>
-          </a:ln>
-          <a:extLst>
-            <a:ext uri="{C572A759-6A51-4108-AA02-DFA0A04FC94B}">
-              <ma14:wrappingTextBoxFlag xmlns:ma14="http://schemas.microsoft.com/office/mac/drawingml/2011/main" val="1"/>
-            </a:ext>
-          </a:extLst>
-        </p:spPr>
-        <p:txBody>
-          <a:bodyPr lIns="0" tIns="0" rIns="0" bIns="0">
-            <a:spAutoFit/>
-          </a:bodyPr>
-          <a:lstStyle>
-            <a:lvl1pPr>
-              <a:lnSpc>
-                <a:spcPct val="65000"/>
-              </a:lnSpc>
-              <a:defRPr sz="9000" b="1" cap="all" spc="-180">
-                <a:latin typeface="+mj-lt"/>
-                <a:ea typeface="+mj-ea"/>
-                <a:cs typeface="+mj-cs"/>
-                <a:sym typeface="PFDinTextCompPro-Regular"/>
-              </a:defRPr>
-            </a:lvl1pPr>
-          </a:lstStyle>
-          <a:p>
-            <a:pPr lvl="0">
-              <a:defRPr sz="1800" b="0" cap="none" spc="0">
-                <a:solidFill>
-                  <a:srgbClr val="000000"/>
-                </a:solidFill>
-                <a:uFillTx/>
-              </a:defRPr>
-            </a:pPr>
-            <a:r>
-              <a:rPr lang="en-US" sz="9000" b="1" cap="all" spc="-180" dirty="0" smtClean="0">
-                <a:solidFill>
-                  <a:srgbClr val="FFFFFF"/>
-                </a:solidFill>
-                <a:uFill>
-                  <a:solidFill>
-                    <a:srgbClr val="FFFFFF"/>
-                  </a:solidFill>
-                </a:uFill>
-              </a:rPr>
-              <a:t>More Queries and Aggregations</a:t>
-            </a:r>
-            <a:endParaRPr sz="9000" b="1" cap="all" spc="-180" dirty="0">
-              <a:solidFill>
-                <a:srgbClr val="FFFFFF"/>
-              </a:solidFill>
-              <a:uFill>
-                <a:solidFill>
-                  <a:srgbClr val="FFFFFF"/>
-                </a:solidFill>
-              </a:uFill>
-            </a:endParaRPr>
-          </a:p>
-        </p:txBody>
-      </p:sp>
-      <p:sp>
-        <p:nvSpPr>
-          <p:cNvPr id="108" name="Shape 108"/>
-          <p:cNvSpPr/>
-          <p:nvPr/>
-        </p:nvSpPr>
-        <p:spPr>
-          <a:xfrm>
-            <a:off x="635000" y="635000"/>
-            <a:ext cx="11734800" cy="11"/>
-          </a:xfrm>
-          <a:prstGeom prst="line">
-            <a:avLst/>
-          </a:prstGeom>
-          <a:ln w="12700">
-            <a:solidFill>
-              <a:srgbClr val="FFFFFF"/>
-            </a:solidFill>
-            <a:miter lim="400000"/>
-          </a:ln>
-        </p:spPr>
-        <p:txBody>
-          <a:bodyPr lIns="0" tIns="0" rIns="0" bIns="0"/>
-          <a:lstStyle/>
-          <a:p>
-            <a:pPr lvl="0" defTabSz="457200">
-              <a:buClrTx/>
-              <a:defRPr sz="1200">
-                <a:solidFill>
-                  <a:srgbClr val="000000"/>
-                </a:solidFill>
-                <a:uFillTx/>
-                <a:latin typeface="Helvetica"/>
-                <a:ea typeface="Helvetica"/>
-                <a:cs typeface="Helvetica"/>
-                <a:sym typeface="Helvetica"/>
-              </a:defRPr>
-            </a:pPr>
-            <a:endParaRPr/>
-          </a:p>
-        </p:txBody>
-      </p:sp>
-      <p:sp>
-        <p:nvSpPr>
-          <p:cNvPr id="109" name="Shape 109"/>
-          <p:cNvSpPr/>
-          <p:nvPr/>
-        </p:nvSpPr>
-        <p:spPr>
-          <a:xfrm>
-            <a:off x="635000" y="1219200"/>
-            <a:ext cx="11734800" cy="11"/>
-          </a:xfrm>
-          <a:prstGeom prst="line">
-            <a:avLst/>
-          </a:prstGeom>
-          <a:ln w="12700">
-            <a:solidFill>
-              <a:srgbClr val="FFFFFF"/>
-            </a:solidFill>
-            <a:miter lim="400000"/>
-          </a:ln>
-        </p:spPr>
-        <p:txBody>
-          <a:bodyPr lIns="0" tIns="0" rIns="0" bIns="0"/>
-          <a:lstStyle/>
-          <a:p>
-            <a:pPr lvl="0" defTabSz="457200">
-              <a:buClrTx/>
-              <a:defRPr sz="1200">
-                <a:solidFill>
-                  <a:srgbClr val="000000"/>
-                </a:solidFill>
-                <a:uFillTx/>
-                <a:latin typeface="Helvetica"/>
-                <a:ea typeface="Helvetica"/>
-                <a:cs typeface="Helvetica"/>
-                <a:sym typeface="Helvetica"/>
-              </a:defRPr>
-            </a:pPr>
-            <a:endParaRPr/>
-          </a:p>
-        </p:txBody>
-      </p:sp>
-      <p:sp>
-        <p:nvSpPr>
-          <p:cNvPr id="110" name="Shape 110"/>
-          <p:cNvSpPr/>
-          <p:nvPr/>
-        </p:nvSpPr>
-        <p:spPr>
-          <a:xfrm>
-            <a:off x="635000" y="736600"/>
-            <a:ext cx="7721600" cy="431800"/>
-          </a:xfrm>
-          <a:prstGeom prst="rect">
-            <a:avLst/>
-          </a:prstGeom>
-          <a:ln w="12700">
-            <a:round/>
-          </a:ln>
-          <a:extLst>
-            <a:ext uri="{C572A759-6A51-4108-AA02-DFA0A04FC94B}">
-              <ma14:wrappingTextBoxFlag xmlns:ma14="http://schemas.microsoft.com/office/mac/drawingml/2011/main" val="1"/>
-            </a:ext>
-          </a:extLst>
-        </p:spPr>
-        <p:txBody>
-          <a:bodyPr lIns="0" tIns="0" rIns="0" bIns="0"/>
-          <a:lstStyle>
-            <a:lvl1pPr defTabSz="647700">
-              <a:lnSpc>
-                <a:spcPts val="3200"/>
-              </a:lnSpc>
-              <a:buClr>
-                <a:srgbClr val="000000"/>
-              </a:buClr>
-              <a:buFont typeface="PFDinTextCompPro-Regular"/>
-              <a:defRPr sz="2800" b="1" cap="all" spc="-56">
-                <a:uFill>
-                  <a:solidFill>
-                    <a:srgbClr val="000000"/>
-                  </a:solidFill>
-                </a:uFill>
-                <a:latin typeface="+mj-lt"/>
-                <a:ea typeface="+mj-ea"/>
-                <a:cs typeface="+mj-cs"/>
-                <a:sym typeface="PFDinTextCompPro-Regular"/>
-              </a:defRPr>
-            </a:lvl1pPr>
-          </a:lstStyle>
-          <a:p>
-            <a:pPr lvl="0">
-              <a:defRPr sz="1800" b="0" cap="none" spc="0">
-                <a:solidFill>
-                  <a:srgbClr val="000000"/>
-                </a:solidFill>
-                <a:uFillTx/>
-              </a:defRPr>
-            </a:pPr>
-            <a:r>
-              <a:rPr lang="en-US" sz="2800" b="1" cap="all" spc="-56" dirty="0" smtClean="0">
-                <a:solidFill>
-                  <a:srgbClr val="FFFFFF"/>
-                </a:solidFill>
-                <a:uFill>
-                  <a:solidFill/>
-                </a:uFill>
-              </a:rPr>
-              <a:t>SQL </a:t>
-            </a:r>
-            <a:r>
-              <a:rPr lang="en-US" sz="2800" b="1" cap="all" spc="-56" dirty="0" err="1" smtClean="0">
-                <a:solidFill>
-                  <a:srgbClr val="FFFFFF"/>
-                </a:solidFill>
-                <a:uFill>
-                  <a:solidFill/>
-                </a:uFill>
-              </a:rPr>
-              <a:t>Bootcamp</a:t>
-            </a:r>
-            <a:endParaRPr sz="2800" b="1" cap="all" spc="-56" dirty="0">
-              <a:solidFill>
-                <a:srgbClr val="FFFFFF"/>
-              </a:solidFill>
-              <a:uFill>
-                <a:solidFill/>
-              </a:uFill>
-            </a:endParaRPr>
-          </a:p>
-        </p:txBody>
-      </p:sp>
-    </p:spTree>
-    <p:extLst>
-      <p:ext uri="{BB962C8B-B14F-4D97-AF65-F5344CB8AC3E}">
-        <p14:creationId xmlns:p14="http://schemas.microsoft.com/office/powerpoint/2010/main" val="3279296338"/>
-      </p:ext>
-    </p:extLst>
-  </p:cSld>
-  <p:clrMapOvr>
-    <a:masterClrMapping/>
-  </p:clrMapOvr>
-  <p:transition xmlns:p14="http://schemas.microsoft.com/office/powerpoint/2010/main" spd="med"/>
-  <p:timing>
-    <p:tnLst>
-      <p:par>
-        <p:cTn xmlns:p14="http://schemas.microsoft.com/office/powerpoint/2010/main" id="1" dur="indefinite" restart="never" nodeType="tmRoot"/>
-      </p:par>
-    </p:tnLst>
-  </p:timing>
-</p:sld>
-</file>
-
-<file path=ppt/slides/slide26.xml><?xml version="1.0" encoding="utf-8"?>
-<p:sld xmlns:a="http://schemas.openxmlformats.org/drawingml/2006/main" xmlns:r="http://schemas.openxmlformats.org/officeDocument/2006/relationships" xmlns:p="http://schemas.openxmlformats.org/presentationml/2006/main">
-  <p:cSld>
-    <p:spTree>
-      <p:nvGrpSpPr>
-        <p:cNvPr id="1" name=""/>
-        <p:cNvGrpSpPr/>
-        <p:nvPr/>
-      </p:nvGrpSpPr>
-      <p:grpSpPr>
-        <a:xfrm>
-          <a:off x="0" y="0"/>
-          <a:ext cx="0" cy="0"/>
-          <a:chOff x="0" y="0"/>
-          <a:chExt cx="0" cy="0"/>
-        </a:xfrm>
-      </p:grpSpPr>
-      <p:sp>
-        <p:nvSpPr>
-          <p:cNvPr id="107" name="Shape 107"/>
-          <p:cNvSpPr/>
-          <p:nvPr/>
-        </p:nvSpPr>
-        <p:spPr>
-          <a:xfrm>
-            <a:off x="635000" y="2905531"/>
-            <a:ext cx="11734800" cy="981038"/>
-          </a:xfrm>
-          <a:prstGeom prst="rect">
-            <a:avLst/>
-          </a:prstGeom>
-          <a:ln w="12700">
-            <a:miter lim="400000"/>
-          </a:ln>
-          <a:extLst>
-            <a:ext uri="{C572A759-6A51-4108-AA02-DFA0A04FC94B}">
-              <ma14:wrappingTextBoxFlag xmlns:ma14="http://schemas.microsoft.com/office/mac/drawingml/2011/main" val="1"/>
-            </a:ext>
-          </a:extLst>
-        </p:spPr>
-        <p:txBody>
-          <a:bodyPr lIns="0" tIns="0" rIns="0" bIns="0">
-            <a:spAutoFit/>
-          </a:bodyPr>
-          <a:lstStyle>
-            <a:lvl1pPr>
-              <a:lnSpc>
-                <a:spcPct val="65000"/>
-              </a:lnSpc>
-              <a:defRPr sz="9000" b="1" cap="all" spc="-180">
-                <a:latin typeface="+mj-lt"/>
-                <a:ea typeface="+mj-ea"/>
-                <a:cs typeface="+mj-cs"/>
-                <a:sym typeface="PFDinTextCompPro-Regular"/>
-              </a:defRPr>
-            </a:lvl1pPr>
-          </a:lstStyle>
-          <a:p>
-            <a:pPr lvl="0">
-              <a:defRPr sz="1800" b="0" cap="none" spc="0">
-                <a:solidFill>
-                  <a:srgbClr val="000000"/>
-                </a:solidFill>
-                <a:uFillTx/>
-              </a:defRPr>
-            </a:pPr>
-            <a:r>
-              <a:rPr lang="en-US" sz="9000" b="1" cap="all" spc="-180" dirty="0" smtClean="0">
-                <a:solidFill>
-                  <a:srgbClr val="FFFFFF"/>
-                </a:solidFill>
-                <a:uFill>
-                  <a:solidFill>
-                    <a:srgbClr val="FFFFFF"/>
-                  </a:solidFill>
-                </a:uFill>
-              </a:rPr>
-              <a:t>CASE STATEMENTS</a:t>
-            </a:r>
-            <a:endParaRPr sz="9000" b="1" cap="all" spc="-180" dirty="0">
-              <a:solidFill>
-                <a:srgbClr val="FFFFFF"/>
-              </a:solidFill>
-              <a:uFill>
-                <a:solidFill>
-                  <a:srgbClr val="FFFFFF"/>
-                </a:solidFill>
-              </a:uFill>
-            </a:endParaRPr>
-          </a:p>
-        </p:txBody>
-      </p:sp>
-      <p:sp>
-        <p:nvSpPr>
-          <p:cNvPr id="108" name="Shape 108"/>
-          <p:cNvSpPr/>
-          <p:nvPr/>
-        </p:nvSpPr>
-        <p:spPr>
-          <a:xfrm>
-            <a:off x="635000" y="635000"/>
-            <a:ext cx="11734800" cy="11"/>
-          </a:xfrm>
-          <a:prstGeom prst="line">
-            <a:avLst/>
-          </a:prstGeom>
-          <a:ln w="12700">
-            <a:solidFill>
-              <a:srgbClr val="FFFFFF"/>
-            </a:solidFill>
-            <a:miter lim="400000"/>
-          </a:ln>
-        </p:spPr>
-        <p:txBody>
-          <a:bodyPr lIns="0" tIns="0" rIns="0" bIns="0"/>
-          <a:lstStyle/>
-          <a:p>
-            <a:pPr lvl="0" defTabSz="457200">
-              <a:buClrTx/>
-              <a:defRPr sz="1200">
-                <a:solidFill>
-                  <a:srgbClr val="000000"/>
-                </a:solidFill>
-                <a:uFillTx/>
-                <a:latin typeface="Helvetica"/>
-                <a:ea typeface="Helvetica"/>
-                <a:cs typeface="Helvetica"/>
-                <a:sym typeface="Helvetica"/>
-              </a:defRPr>
-            </a:pPr>
-            <a:endParaRPr/>
-          </a:p>
-        </p:txBody>
-      </p:sp>
-      <p:sp>
-        <p:nvSpPr>
-          <p:cNvPr id="109" name="Shape 109"/>
-          <p:cNvSpPr/>
-          <p:nvPr/>
-        </p:nvSpPr>
-        <p:spPr>
-          <a:xfrm>
-            <a:off x="635000" y="1219200"/>
-            <a:ext cx="11734800" cy="11"/>
-          </a:xfrm>
-          <a:prstGeom prst="line">
-            <a:avLst/>
-          </a:prstGeom>
-          <a:ln w="12700">
-            <a:solidFill>
-              <a:srgbClr val="FFFFFF"/>
-            </a:solidFill>
-            <a:miter lim="400000"/>
-          </a:ln>
-        </p:spPr>
-        <p:txBody>
-          <a:bodyPr lIns="0" tIns="0" rIns="0" bIns="0"/>
-          <a:lstStyle/>
-          <a:p>
-            <a:pPr lvl="0" defTabSz="457200">
-              <a:buClrTx/>
-              <a:defRPr sz="1200">
-                <a:solidFill>
-                  <a:srgbClr val="000000"/>
-                </a:solidFill>
-                <a:uFillTx/>
-                <a:latin typeface="Helvetica"/>
-                <a:ea typeface="Helvetica"/>
-                <a:cs typeface="Helvetica"/>
-                <a:sym typeface="Helvetica"/>
-              </a:defRPr>
-            </a:pPr>
-            <a:endParaRPr/>
-          </a:p>
-        </p:txBody>
-      </p:sp>
-      <p:sp>
-        <p:nvSpPr>
-          <p:cNvPr id="110" name="Shape 110"/>
-          <p:cNvSpPr/>
-          <p:nvPr/>
-        </p:nvSpPr>
-        <p:spPr>
-          <a:xfrm>
-            <a:off x="635000" y="736600"/>
-            <a:ext cx="7721600" cy="431800"/>
-          </a:xfrm>
-          <a:prstGeom prst="rect">
-            <a:avLst/>
-          </a:prstGeom>
-          <a:ln w="12700">
-            <a:round/>
-          </a:ln>
-          <a:extLst>
-            <a:ext uri="{C572A759-6A51-4108-AA02-DFA0A04FC94B}">
-              <ma14:wrappingTextBoxFlag xmlns:ma14="http://schemas.microsoft.com/office/mac/drawingml/2011/main" val="1"/>
-            </a:ext>
-          </a:extLst>
-        </p:spPr>
-        <p:txBody>
-          <a:bodyPr lIns="0" tIns="0" rIns="0" bIns="0"/>
-          <a:lstStyle>
-            <a:lvl1pPr defTabSz="647700">
-              <a:lnSpc>
-                <a:spcPts val="3200"/>
-              </a:lnSpc>
-              <a:buClr>
-                <a:srgbClr val="000000"/>
-              </a:buClr>
-              <a:buFont typeface="PFDinTextCompPro-Regular"/>
-              <a:defRPr sz="2800" b="1" cap="all" spc="-56">
-                <a:uFill>
-                  <a:solidFill>
-                    <a:srgbClr val="000000"/>
-                  </a:solidFill>
-                </a:uFill>
-                <a:latin typeface="+mj-lt"/>
-                <a:ea typeface="+mj-ea"/>
-                <a:cs typeface="+mj-cs"/>
-                <a:sym typeface="PFDinTextCompPro-Regular"/>
-              </a:defRPr>
-            </a:lvl1pPr>
-          </a:lstStyle>
-          <a:p>
-            <a:pPr lvl="0">
-              <a:defRPr sz="1800" b="0" cap="none" spc="0">
-                <a:solidFill>
-                  <a:srgbClr val="000000"/>
-                </a:solidFill>
-                <a:uFillTx/>
-              </a:defRPr>
-            </a:pPr>
-            <a:r>
-              <a:rPr lang="en-US" sz="2800" b="1" cap="all" spc="-56" dirty="0" smtClean="0">
-                <a:solidFill>
-                  <a:srgbClr val="FFFFFF"/>
-                </a:solidFill>
-                <a:uFill>
-                  <a:solidFill/>
-                </a:uFill>
-              </a:rPr>
-              <a:t>SQL </a:t>
-            </a:r>
-            <a:r>
-              <a:rPr lang="en-US" sz="2800" b="1" cap="all" spc="-56" dirty="0" err="1" smtClean="0">
-                <a:solidFill>
-                  <a:srgbClr val="FFFFFF"/>
-                </a:solidFill>
-                <a:uFill>
-                  <a:solidFill/>
-                </a:uFill>
-              </a:rPr>
-              <a:t>Bootcamp</a:t>
-            </a:r>
-            <a:endParaRPr sz="2800" b="1" cap="all" spc="-56" dirty="0">
-              <a:solidFill>
-                <a:srgbClr val="FFFFFF"/>
-              </a:solidFill>
-              <a:uFill>
-                <a:solidFill/>
-              </a:uFill>
-            </a:endParaRPr>
-          </a:p>
-        </p:txBody>
-      </p:sp>
-    </p:spTree>
-    <p:extLst>
-      <p:ext uri="{BB962C8B-B14F-4D97-AF65-F5344CB8AC3E}">
-        <p14:creationId xmlns:p14="http://schemas.microsoft.com/office/powerpoint/2010/main" val="1599135448"/>
-      </p:ext>
-    </p:extLst>
-  </p:cSld>
-  <p:clrMapOvr>
-    <a:masterClrMapping/>
-  </p:clrMapOvr>
-  <p:transition xmlns:p14="http://schemas.microsoft.com/office/powerpoint/2010/main" spd="med"/>
-  <p:timing>
-    <p:tnLst>
-      <p:par>
-        <p:cTn xmlns:p14="http://schemas.microsoft.com/office/powerpoint/2010/main" id="1" dur="indefinite" restart="never" nodeType="tmRoot"/>
-      </p:par>
-    </p:tnLst>
-  </p:timing>
-</p:sld>
-</file>
-
-<file path=ppt/slides/slide27.xml><?xml version="1.0" encoding="utf-8"?>
-<p:sld xmlns:a="http://schemas.openxmlformats.org/drawingml/2006/main" xmlns:r="http://schemas.openxmlformats.org/officeDocument/2006/relationships" xmlns:p="http://schemas.openxmlformats.org/presentationml/2006/main">
-  <p:cSld>
-    <p:spTree>
-      <p:nvGrpSpPr>
-        <p:cNvPr id="1" name=""/>
-        <p:cNvGrpSpPr/>
-        <p:nvPr/>
-      </p:nvGrpSpPr>
-      <p:grpSpPr>
-        <a:xfrm>
-          <a:off x="0" y="0"/>
-          <a:ext cx="0" cy="0"/>
-          <a:chOff x="0" y="0"/>
-          <a:chExt cx="0" cy="0"/>
-        </a:xfrm>
-      </p:grpSpPr>
-      <p:sp>
-        <p:nvSpPr>
-          <p:cNvPr id="107" name="Shape 107"/>
-          <p:cNvSpPr/>
-          <p:nvPr/>
-        </p:nvSpPr>
-        <p:spPr>
-          <a:xfrm>
-            <a:off x="635000" y="2905531"/>
-            <a:ext cx="11734800" cy="981038"/>
-          </a:xfrm>
-          <a:prstGeom prst="rect">
-            <a:avLst/>
-          </a:prstGeom>
-          <a:ln w="12700">
-            <a:miter lim="400000"/>
-          </a:ln>
-          <a:extLst>
-            <a:ext uri="{C572A759-6A51-4108-AA02-DFA0A04FC94B}">
-              <ma14:wrappingTextBoxFlag xmlns:ma14="http://schemas.microsoft.com/office/mac/drawingml/2011/main" val="1"/>
-            </a:ext>
-          </a:extLst>
-        </p:spPr>
-        <p:txBody>
-          <a:bodyPr lIns="0" tIns="0" rIns="0" bIns="0">
-            <a:spAutoFit/>
-          </a:bodyPr>
-          <a:lstStyle>
-            <a:lvl1pPr>
-              <a:lnSpc>
-                <a:spcPct val="65000"/>
-              </a:lnSpc>
-              <a:defRPr sz="9000" b="1" cap="all" spc="-180">
-                <a:latin typeface="+mj-lt"/>
-                <a:ea typeface="+mj-ea"/>
-                <a:cs typeface="+mj-cs"/>
-                <a:sym typeface="PFDinTextCompPro-Regular"/>
-              </a:defRPr>
-            </a:lvl1pPr>
-          </a:lstStyle>
-          <a:p>
-            <a:pPr lvl="0">
-              <a:defRPr sz="1800" b="0" cap="none" spc="0">
-                <a:solidFill>
-                  <a:srgbClr val="000000"/>
-                </a:solidFill>
-                <a:uFillTx/>
-              </a:defRPr>
-            </a:pPr>
-            <a:r>
-              <a:rPr lang="en-US" sz="9000" b="1" cap="all" spc="-180" dirty="0" smtClean="0">
-                <a:solidFill>
-                  <a:srgbClr val="FFFFFF"/>
-                </a:solidFill>
-                <a:uFill>
-                  <a:solidFill>
-                    <a:srgbClr val="FFFFFF"/>
-                  </a:solidFill>
-                </a:uFill>
-              </a:rPr>
-              <a:t>MORE JOINS</a:t>
-            </a:r>
-            <a:endParaRPr sz="9000" b="1" cap="all" spc="-180" dirty="0">
-              <a:solidFill>
-                <a:srgbClr val="FFFFFF"/>
-              </a:solidFill>
-              <a:uFill>
-                <a:solidFill>
-                  <a:srgbClr val="FFFFFF"/>
-                </a:solidFill>
-              </a:uFill>
-            </a:endParaRPr>
-          </a:p>
-        </p:txBody>
-      </p:sp>
-      <p:sp>
-        <p:nvSpPr>
-          <p:cNvPr id="108" name="Shape 108"/>
-          <p:cNvSpPr/>
-          <p:nvPr/>
-        </p:nvSpPr>
-        <p:spPr>
-          <a:xfrm>
-            <a:off x="635000" y="635000"/>
-            <a:ext cx="11734800" cy="11"/>
-          </a:xfrm>
-          <a:prstGeom prst="line">
-            <a:avLst/>
-          </a:prstGeom>
-          <a:ln w="12700">
-            <a:solidFill>
-              <a:srgbClr val="FFFFFF"/>
-            </a:solidFill>
-            <a:miter lim="400000"/>
-          </a:ln>
-        </p:spPr>
-        <p:txBody>
-          <a:bodyPr lIns="0" tIns="0" rIns="0" bIns="0"/>
-          <a:lstStyle/>
-          <a:p>
-            <a:pPr lvl="0" defTabSz="457200">
-              <a:buClrTx/>
-              <a:defRPr sz="1200">
-                <a:solidFill>
-                  <a:srgbClr val="000000"/>
-                </a:solidFill>
-                <a:uFillTx/>
-                <a:latin typeface="Helvetica"/>
-                <a:ea typeface="Helvetica"/>
-                <a:cs typeface="Helvetica"/>
-                <a:sym typeface="Helvetica"/>
-              </a:defRPr>
-            </a:pPr>
-            <a:endParaRPr/>
-          </a:p>
-        </p:txBody>
-      </p:sp>
-      <p:sp>
-        <p:nvSpPr>
-          <p:cNvPr id="109" name="Shape 109"/>
-          <p:cNvSpPr/>
-          <p:nvPr/>
-        </p:nvSpPr>
-        <p:spPr>
-          <a:xfrm>
-            <a:off x="635000" y="1219200"/>
-            <a:ext cx="11734800" cy="11"/>
-          </a:xfrm>
-          <a:prstGeom prst="line">
-            <a:avLst/>
-          </a:prstGeom>
-          <a:ln w="12700">
-            <a:solidFill>
-              <a:srgbClr val="FFFFFF"/>
-            </a:solidFill>
-            <a:miter lim="400000"/>
-          </a:ln>
-        </p:spPr>
-        <p:txBody>
-          <a:bodyPr lIns="0" tIns="0" rIns="0" bIns="0"/>
-          <a:lstStyle/>
-          <a:p>
-            <a:pPr lvl="0" defTabSz="457200">
-              <a:buClrTx/>
-              <a:defRPr sz="1200">
-                <a:solidFill>
-                  <a:srgbClr val="000000"/>
-                </a:solidFill>
-                <a:uFillTx/>
-                <a:latin typeface="Helvetica"/>
-                <a:ea typeface="Helvetica"/>
-                <a:cs typeface="Helvetica"/>
-                <a:sym typeface="Helvetica"/>
-              </a:defRPr>
-            </a:pPr>
-            <a:endParaRPr/>
-          </a:p>
-        </p:txBody>
-      </p:sp>
-      <p:sp>
-        <p:nvSpPr>
-          <p:cNvPr id="110" name="Shape 110"/>
-          <p:cNvSpPr/>
-          <p:nvPr/>
-        </p:nvSpPr>
-        <p:spPr>
-          <a:xfrm>
-            <a:off x="635000" y="736600"/>
-            <a:ext cx="7721600" cy="431800"/>
-          </a:xfrm>
-          <a:prstGeom prst="rect">
-            <a:avLst/>
-          </a:prstGeom>
-          <a:ln w="12700">
-            <a:round/>
-          </a:ln>
-          <a:extLst>
-            <a:ext uri="{C572A759-6A51-4108-AA02-DFA0A04FC94B}">
-              <ma14:wrappingTextBoxFlag xmlns:ma14="http://schemas.microsoft.com/office/mac/drawingml/2011/main" val="1"/>
-            </a:ext>
-          </a:extLst>
-        </p:spPr>
-        <p:txBody>
-          <a:bodyPr lIns="0" tIns="0" rIns="0" bIns="0"/>
-          <a:lstStyle>
-            <a:lvl1pPr defTabSz="647700">
-              <a:lnSpc>
-                <a:spcPts val="3200"/>
-              </a:lnSpc>
-              <a:buClr>
-                <a:srgbClr val="000000"/>
-              </a:buClr>
-              <a:buFont typeface="PFDinTextCompPro-Regular"/>
-              <a:defRPr sz="2800" b="1" cap="all" spc="-56">
-                <a:uFill>
-                  <a:solidFill>
-                    <a:srgbClr val="000000"/>
-                  </a:solidFill>
-                </a:uFill>
-                <a:latin typeface="+mj-lt"/>
-                <a:ea typeface="+mj-ea"/>
-                <a:cs typeface="+mj-cs"/>
-                <a:sym typeface="PFDinTextCompPro-Regular"/>
-              </a:defRPr>
-            </a:lvl1pPr>
-          </a:lstStyle>
-          <a:p>
-            <a:pPr lvl="0">
-              <a:defRPr sz="1800" b="0" cap="none" spc="0">
-                <a:solidFill>
-                  <a:srgbClr val="000000"/>
-                </a:solidFill>
-                <a:uFillTx/>
-              </a:defRPr>
-            </a:pPr>
-            <a:r>
-              <a:rPr lang="en-US" sz="2800" b="1" cap="all" spc="-56" dirty="0" smtClean="0">
-                <a:solidFill>
-                  <a:srgbClr val="FFFFFF"/>
-                </a:solidFill>
-                <a:uFill>
-                  <a:solidFill/>
-                </a:uFill>
-              </a:rPr>
-              <a:t>SQL </a:t>
-            </a:r>
-            <a:r>
-              <a:rPr lang="en-US" sz="2800" b="1" cap="all" spc="-56" dirty="0" err="1" smtClean="0">
-                <a:solidFill>
-                  <a:srgbClr val="FFFFFF"/>
-                </a:solidFill>
-                <a:uFill>
-                  <a:solidFill/>
-                </a:uFill>
-              </a:rPr>
-              <a:t>Bootcamp</a:t>
-            </a:r>
-            <a:endParaRPr sz="2800" b="1" cap="all" spc="-56" dirty="0">
-              <a:solidFill>
-                <a:srgbClr val="FFFFFF"/>
-              </a:solidFill>
-              <a:uFill>
-                <a:solidFill/>
-              </a:uFill>
-            </a:endParaRPr>
-          </a:p>
-        </p:txBody>
-      </p:sp>
-    </p:spTree>
-    <p:extLst>
-      <p:ext uri="{BB962C8B-B14F-4D97-AF65-F5344CB8AC3E}">
-        <p14:creationId xmlns:p14="http://schemas.microsoft.com/office/powerpoint/2010/main" val="1186527986"/>
-      </p:ext>
-    </p:extLst>
-  </p:cSld>
-  <p:clrMapOvr>
-    <a:masterClrMapping/>
-  </p:clrMapOvr>
-  <p:transition xmlns:p14="http://schemas.microsoft.com/office/powerpoint/2010/main" spd="med"/>
-  <p:timing>
-    <p:tnLst>
-      <p:par>
-        <p:cTn xmlns:p14="http://schemas.microsoft.com/office/powerpoint/2010/main" id="1" dur="indefinite" restart="never" nodeType="tmRoot"/>
-      </p:par>
-    </p:tnLst>
-  </p:timing>
-</p:sld>
-</file>
-
-<file path=ppt/slides/slide28.xml><?xml version="1.0" encoding="utf-8"?>
-<p:sld xmlns:a="http://schemas.openxmlformats.org/drawingml/2006/main" xmlns:r="http://schemas.openxmlformats.org/officeDocument/2006/relationships" xmlns:p="http://schemas.openxmlformats.org/presentationml/2006/main">
-  <p:cSld>
-    <p:spTree>
-      <p:nvGrpSpPr>
-        <p:cNvPr id="1" name=""/>
-        <p:cNvGrpSpPr/>
-        <p:nvPr/>
-      </p:nvGrpSpPr>
-      <p:grpSpPr>
-        <a:xfrm>
-          <a:off x="0" y="0"/>
-          <a:ext cx="0" cy="0"/>
-          <a:chOff x="0" y="0"/>
-          <a:chExt cx="0" cy="0"/>
-        </a:xfrm>
-      </p:grpSpPr>
-      <p:sp>
-        <p:nvSpPr>
-          <p:cNvPr id="107" name="Shape 107"/>
-          <p:cNvSpPr/>
-          <p:nvPr/>
-        </p:nvSpPr>
-        <p:spPr>
-          <a:xfrm>
-            <a:off x="635000" y="2905531"/>
-            <a:ext cx="11734800" cy="1881284"/>
-          </a:xfrm>
-          <a:prstGeom prst="rect">
-            <a:avLst/>
-          </a:prstGeom>
-          <a:ln w="12700">
-            <a:miter lim="400000"/>
-          </a:ln>
-          <a:extLst>
-            <a:ext uri="{C572A759-6A51-4108-AA02-DFA0A04FC94B}">
-              <ma14:wrappingTextBoxFlag xmlns:ma14="http://schemas.microsoft.com/office/mac/drawingml/2011/main" val="1"/>
-            </a:ext>
-          </a:extLst>
-        </p:spPr>
-        <p:txBody>
-          <a:bodyPr lIns="0" tIns="0" rIns="0" bIns="0">
-            <a:spAutoFit/>
-          </a:bodyPr>
-          <a:lstStyle>
-            <a:lvl1pPr>
-              <a:lnSpc>
-                <a:spcPct val="65000"/>
-              </a:lnSpc>
-              <a:defRPr sz="9000" b="1" cap="all" spc="-180">
-                <a:latin typeface="+mj-lt"/>
-                <a:ea typeface="+mj-ea"/>
-                <a:cs typeface="+mj-cs"/>
-                <a:sym typeface="PFDinTextCompPro-Regular"/>
-              </a:defRPr>
-            </a:lvl1pPr>
-          </a:lstStyle>
-          <a:p>
-            <a:pPr lvl="0">
-              <a:defRPr sz="1800" b="0" cap="none" spc="0">
-                <a:solidFill>
-                  <a:srgbClr val="000000"/>
-                </a:solidFill>
-                <a:uFillTx/>
-              </a:defRPr>
-            </a:pPr>
-            <a:r>
-              <a:rPr lang="en-US" sz="9000" b="1" cap="all" spc="-180" dirty="0" smtClean="0">
-                <a:solidFill>
-                  <a:srgbClr val="FFFFFF"/>
-                </a:solidFill>
-                <a:uFill>
-                  <a:solidFill>
-                    <a:srgbClr val="FFFFFF"/>
-                  </a:solidFill>
-                </a:uFill>
-              </a:rPr>
-              <a:t>ADVANCED Queries And Aggregations</a:t>
-            </a:r>
-            <a:endParaRPr sz="9000" b="1" cap="all" spc="-180" dirty="0">
-              <a:solidFill>
-                <a:srgbClr val="FFFFFF"/>
-              </a:solidFill>
-              <a:uFill>
-                <a:solidFill>
-                  <a:srgbClr val="FFFFFF"/>
-                </a:solidFill>
-              </a:uFill>
-            </a:endParaRPr>
-          </a:p>
-        </p:txBody>
-      </p:sp>
-      <p:sp>
-        <p:nvSpPr>
-          <p:cNvPr id="108" name="Shape 108"/>
-          <p:cNvSpPr/>
-          <p:nvPr/>
-        </p:nvSpPr>
-        <p:spPr>
-          <a:xfrm>
-            <a:off x="635000" y="635000"/>
-            <a:ext cx="11734800" cy="11"/>
-          </a:xfrm>
-          <a:prstGeom prst="line">
-            <a:avLst/>
-          </a:prstGeom>
-          <a:ln w="12700">
-            <a:solidFill>
-              <a:srgbClr val="FFFFFF"/>
-            </a:solidFill>
-            <a:miter lim="400000"/>
-          </a:ln>
-        </p:spPr>
-        <p:txBody>
-          <a:bodyPr lIns="0" tIns="0" rIns="0" bIns="0"/>
-          <a:lstStyle/>
-          <a:p>
-            <a:pPr lvl="0" defTabSz="457200">
-              <a:buClrTx/>
-              <a:defRPr sz="1200">
-                <a:solidFill>
-                  <a:srgbClr val="000000"/>
-                </a:solidFill>
-                <a:uFillTx/>
-                <a:latin typeface="Helvetica"/>
-                <a:ea typeface="Helvetica"/>
-                <a:cs typeface="Helvetica"/>
-                <a:sym typeface="Helvetica"/>
-              </a:defRPr>
-            </a:pPr>
-            <a:endParaRPr/>
-          </a:p>
-        </p:txBody>
-      </p:sp>
-      <p:sp>
-        <p:nvSpPr>
-          <p:cNvPr id="109" name="Shape 109"/>
-          <p:cNvSpPr/>
-          <p:nvPr/>
-        </p:nvSpPr>
-        <p:spPr>
-          <a:xfrm>
-            <a:off x="635000" y="1219200"/>
-            <a:ext cx="11734800" cy="11"/>
-          </a:xfrm>
-          <a:prstGeom prst="line">
-            <a:avLst/>
-          </a:prstGeom>
-          <a:ln w="12700">
-            <a:solidFill>
-              <a:srgbClr val="FFFFFF"/>
-            </a:solidFill>
-            <a:miter lim="400000"/>
-          </a:ln>
-        </p:spPr>
-        <p:txBody>
-          <a:bodyPr lIns="0" tIns="0" rIns="0" bIns="0"/>
-          <a:lstStyle/>
-          <a:p>
-            <a:pPr lvl="0" defTabSz="457200">
-              <a:buClrTx/>
-              <a:defRPr sz="1200">
-                <a:solidFill>
-                  <a:srgbClr val="000000"/>
-                </a:solidFill>
-                <a:uFillTx/>
-                <a:latin typeface="Helvetica"/>
-                <a:ea typeface="Helvetica"/>
-                <a:cs typeface="Helvetica"/>
-                <a:sym typeface="Helvetica"/>
-              </a:defRPr>
-            </a:pPr>
-            <a:endParaRPr/>
-          </a:p>
-        </p:txBody>
-      </p:sp>
-      <p:sp>
-        <p:nvSpPr>
-          <p:cNvPr id="110" name="Shape 110"/>
-          <p:cNvSpPr/>
-          <p:nvPr/>
-        </p:nvSpPr>
-        <p:spPr>
-          <a:xfrm>
-            <a:off x="635000" y="736600"/>
-            <a:ext cx="7721600" cy="431800"/>
-          </a:xfrm>
-          <a:prstGeom prst="rect">
-            <a:avLst/>
-          </a:prstGeom>
-          <a:ln w="12700">
-            <a:round/>
-          </a:ln>
-          <a:extLst>
-            <a:ext uri="{C572A759-6A51-4108-AA02-DFA0A04FC94B}">
-              <ma14:wrappingTextBoxFlag xmlns:ma14="http://schemas.microsoft.com/office/mac/drawingml/2011/main" val="1"/>
-            </a:ext>
-          </a:extLst>
-        </p:spPr>
-        <p:txBody>
-          <a:bodyPr lIns="0" tIns="0" rIns="0" bIns="0"/>
-          <a:lstStyle>
-            <a:lvl1pPr defTabSz="647700">
-              <a:lnSpc>
-                <a:spcPts val="3200"/>
-              </a:lnSpc>
-              <a:buClr>
-                <a:srgbClr val="000000"/>
-              </a:buClr>
-              <a:buFont typeface="PFDinTextCompPro-Regular"/>
-              <a:defRPr sz="2800" b="1" cap="all" spc="-56">
-                <a:uFill>
-                  <a:solidFill>
-                    <a:srgbClr val="000000"/>
-                  </a:solidFill>
-                </a:uFill>
-                <a:latin typeface="+mj-lt"/>
-                <a:ea typeface="+mj-ea"/>
-                <a:cs typeface="+mj-cs"/>
-                <a:sym typeface="PFDinTextCompPro-Regular"/>
-              </a:defRPr>
-            </a:lvl1pPr>
-          </a:lstStyle>
-          <a:p>
-            <a:pPr lvl="0">
-              <a:defRPr sz="1800" b="0" cap="none" spc="0">
-                <a:solidFill>
-                  <a:srgbClr val="000000"/>
-                </a:solidFill>
-                <a:uFillTx/>
-              </a:defRPr>
-            </a:pPr>
-            <a:r>
-              <a:rPr lang="en-US" sz="2800" b="1" cap="all" spc="-56" dirty="0" smtClean="0">
-                <a:solidFill>
-                  <a:srgbClr val="FFFFFF"/>
-                </a:solidFill>
-                <a:uFill>
-                  <a:solidFill/>
-                </a:uFill>
-              </a:rPr>
-              <a:t>SQL </a:t>
-            </a:r>
-            <a:r>
-              <a:rPr lang="en-US" sz="2800" b="1" cap="all" spc="-56" dirty="0" err="1" smtClean="0">
-                <a:solidFill>
-                  <a:srgbClr val="FFFFFF"/>
-                </a:solidFill>
-                <a:uFill>
-                  <a:solidFill/>
-                </a:uFill>
-              </a:rPr>
-              <a:t>Bootcamp</a:t>
-            </a:r>
-            <a:endParaRPr sz="2800" b="1" cap="all" spc="-56" dirty="0">
-              <a:solidFill>
-                <a:srgbClr val="FFFFFF"/>
-              </a:solidFill>
-              <a:uFill>
-                <a:solidFill/>
-              </a:uFill>
-            </a:endParaRPr>
-          </a:p>
-        </p:txBody>
-      </p:sp>
-    </p:spTree>
-    <p:extLst>
-      <p:ext uri="{BB962C8B-B14F-4D97-AF65-F5344CB8AC3E}">
-        <p14:creationId xmlns:p14="http://schemas.microsoft.com/office/powerpoint/2010/main" val="3997214522"/>
+        <p14:creationId xmlns:p14="http://schemas.microsoft.com/office/powerpoint/2010/main" val="701633337"/>
       </p:ext>
     </p:extLst>
   </p:cSld>
@@ -12691,15 +8837,7 @@
                   <a:solidFill/>
                 </a:uFill>
               </a:rPr>
-              <a:t>Expert in Residence for Data Science at General </a:t>
-            </a:r>
-            <a:r>
-              <a:rPr lang="en-US" sz="2500" dirty="0" smtClean="0">
-                <a:uFill>
-                  <a:solidFill/>
-                </a:uFill>
-              </a:rPr>
-              <a:t>Assembly</a:t>
+              <a:t>Expert in Residence for Data Science at General Assembly</a:t>
             </a:r>
           </a:p>
           <a:p>
@@ -16668,15 +12806,7 @@
                   <a:solidFill/>
                 </a:uFill>
               </a:rPr>
-              <a:t>    </a:t>
-            </a:r>
-            <a:r>
-              <a:rPr lang="en-US" sz="2500" smtClean="0">
-                <a:uFill>
-                  <a:solidFill/>
-                </a:uFill>
-              </a:rPr>
-              <a:t>Cheaper hardware</a:t>
+              <a:t>    Cheaper hardware</a:t>
             </a:r>
             <a:endParaRPr sz="2500" dirty="0">
               <a:uFill>

--- a/Slides/SQL Bootcamp.pptx
+++ b/Slides/SQL Bootcamp.pptx
@@ -2806,8 +2806,49 @@
                   <a:solidFill/>
                 </a:uFill>
               </a:rPr>
-              <a:t>    Delete data</a:t>
-            </a:r>
+              <a:t>    Delete </a:t>
+            </a:r>
+            <a:r>
+              <a:rPr lang="en-US" sz="2500" dirty="0" smtClean="0">
+                <a:uFill>
+                  <a:solidFill/>
+                </a:uFill>
+              </a:rPr>
+              <a:t>data</a:t>
+            </a:r>
+          </a:p>
+          <a:p>
+            <a:pPr marL="177800" lvl="2" indent="-177800" defTabSz="647700">
+              <a:lnSpc>
+                <a:spcPct val="110000"/>
+              </a:lnSpc>
+              <a:spcBef>
+                <a:spcPts val="400"/>
+              </a:spcBef>
+              <a:buClrTx/>
+              <a:buSzPct val="85000"/>
+              <a:buFont typeface="Lucida Grande"/>
+              <a:buChar char="‣"/>
+              <a:defRPr sz="1800">
+                <a:solidFill>
+                  <a:srgbClr val="000000"/>
+                </a:solidFill>
+                <a:uFillTx/>
+              </a:defRPr>
+            </a:pPr>
+            <a:r>
+              <a:rPr lang="en-US" sz="2500" dirty="0" smtClean="0">
+                <a:uFill>
+                  <a:solidFill/>
+                </a:uFill>
+              </a:rPr>
+              <a:t>Standard language with some differences among “dialect”.</a:t>
+            </a:r>
+            <a:endParaRPr lang="en-US" sz="2500" dirty="0" smtClean="0">
+              <a:uFill>
+                <a:solidFill/>
+              </a:uFill>
+            </a:endParaRPr>
           </a:p>
         </p:txBody>
       </p:sp>
@@ -3321,6 +3362,55 @@
                                           <p:spTgt spid="10">
                                             <p:txEl>
                                               <p:pRg st="8" end="8"/>
+                                            </p:txEl>
+                                          </p:spTgt>
+                                        </p:tgtEl>
+                                        <p:attrNameLst>
+                                          <p:attrName>style.visibility</p:attrName>
+                                        </p:attrNameLst>
+                                      </p:cBhvr>
+                                      <p:to>
+                                        <p:strVal val="visible"/>
+                                      </p:to>
+                                    </p:set>
+                                  </p:childTnLst>
+                                </p:cTn>
+                              </p:par>
+                            </p:childTnLst>
+                          </p:cTn>
+                        </p:par>
+                      </p:childTnLst>
+                    </p:cTn>
+                  </p:par>
+                  <p:par>
+                    <p:cTn id="39" fill="hold">
+                      <p:stCondLst>
+                        <p:cond delay="indefinite"/>
+                      </p:stCondLst>
+                      <p:childTnLst>
+                        <p:par>
+                          <p:cTn id="40" fill="hold">
+                            <p:stCondLst>
+                              <p:cond delay="0"/>
+                            </p:stCondLst>
+                            <p:childTnLst>
+                              <p:par>
+                                <p:cTn id="41" presetID="1" presetClass="entr" presetSubtype="0" fill="hold" nodeType="clickEffect">
+                                  <p:stCondLst>
+                                    <p:cond delay="0"/>
+                                  </p:stCondLst>
+                                  <p:childTnLst>
+                                    <p:set>
+                                      <p:cBhvr>
+                                        <p:cTn id="42" dur="1" fill="hold">
+                                          <p:stCondLst>
+                                            <p:cond delay="0"/>
+                                          </p:stCondLst>
+                                        </p:cTn>
+                                        <p:tgtEl>
+                                          <p:spTgt spid="10">
+                                            <p:txEl>
+                                              <p:pRg st="9" end="9"/>
                                             </p:txEl>
                                           </p:spTgt>
                                         </p:tgtEl>
@@ -5996,7 +6086,7 @@
               </a:defRPr>
             </a:pPr>
             <a:r>
-              <a:rPr lang="en-US" sz="9000" b="1" cap="all" spc="-180" dirty="0" err="1" smtClean="0">
+              <a:rPr lang="en-US" sz="9000" b="1" cap="all" spc="-180" dirty="0" smtClean="0">
                 <a:solidFill>
                   <a:srgbClr val="FFFFFF"/>
                 </a:solidFill>
@@ -6006,7 +6096,7 @@
                   </a:solidFill>
                 </a:uFill>
               </a:rPr>
-              <a:t>REview</a:t>
+              <a:t>Review</a:t>
             </a:r>
             <a:endParaRPr sz="9000" b="1" cap="all" spc="-180" dirty="0">
               <a:solidFill>
@@ -12030,7 +12120,31 @@
                   <a:solidFill/>
                 </a:uFill>
               </a:rPr>
-              <a:t>Why Us a database?</a:t>
+              <a:t>Why </a:t>
+            </a:r>
+            <a:r>
+              <a:rPr lang="en-US" sz="3600" b="1" cap="all" spc="-72" dirty="0" err="1" smtClean="0">
+                <a:uFill>
+                  <a:solidFill/>
+                </a:uFill>
+              </a:rPr>
+              <a:t>UsE</a:t>
+            </a:r>
+            <a:r>
+              <a:rPr lang="en-US" sz="3600" b="1" cap="all" spc="-72" dirty="0" smtClean="0">
+                <a:uFill>
+                  <a:solidFill/>
+                </a:uFill>
+              </a:rPr>
+              <a:t> </a:t>
+            </a:r>
+            <a:r>
+              <a:rPr lang="en-US" sz="3600" b="1" cap="all" spc="-72" dirty="0" smtClean="0">
+                <a:uFill>
+                  <a:solidFill/>
+                </a:uFill>
+              </a:rPr>
+              <a:t>a database?</a:t>
             </a:r>
             <a:endParaRPr sz="3600" b="1" cap="all" spc="-72" dirty="0">
               <a:uFill>

--- a/Slides/SQL Bootcamp.pptx
+++ b/Slides/SQL Bootcamp.pptx
@@ -10,7 +10,7 @@
   <p:sldIdLst>
     <p:sldId id="256" r:id="rId2"/>
     <p:sldId id="308" r:id="rId3"/>
-    <p:sldId id="260" r:id="rId4"/>
+    <p:sldId id="357" r:id="rId4"/>
     <p:sldId id="311" r:id="rId5"/>
     <p:sldId id="275" r:id="rId6"/>
     <p:sldId id="309" r:id="rId7"/>
@@ -2806,15 +2806,7 @@
                   <a:solidFill/>
                 </a:uFill>
               </a:rPr>
-              <a:t>    Delete </a:t>
-            </a:r>
-            <a:r>
-              <a:rPr lang="en-US" sz="2500" dirty="0" smtClean="0">
-                <a:uFill>
-                  <a:solidFill/>
-                </a:uFill>
-              </a:rPr>
-              <a:t>data</a:t>
+              <a:t>    Delete data</a:t>
             </a:r>
           </a:p>
           <a:p>
@@ -2844,11 +2836,6 @@
               </a:rPr>
               <a:t>Standard language with some differences among “dialect”.</a:t>
             </a:r>
-            <a:endParaRPr lang="en-US" sz="2500" dirty="0" smtClean="0">
-              <a:uFill>
-                <a:solidFill/>
-              </a:uFill>
-            </a:endParaRPr>
           </a:p>
         </p:txBody>
       </p:sp>
@@ -8723,8 +8710,8 @@
         </p:nvSpPr>
         <p:spPr>
           <a:xfrm>
-            <a:off x="2908300" y="2273300"/>
-            <a:ext cx="8273602" cy="4525846"/>
+            <a:off x="2908300" y="2273299"/>
+            <a:ext cx="8273602" cy="4923367"/>
           </a:xfrm>
           <a:prstGeom prst="rect">
             <a:avLst/>
@@ -8955,7 +8942,31 @@
                   <a:solidFill/>
                 </a:uFill>
               </a:rPr>
-              <a:t>Cycling, Backcountry Camping, Computers, the Internet, Nonfiction Literature</a:t>
+              <a:t>Cycling, Backcountry Camping</a:t>
+            </a:r>
+            <a:r>
+              <a:rPr lang="en-US" sz="2500" dirty="0" smtClean="0">
+                <a:uFill>
+                  <a:solidFill/>
+                </a:uFill>
+              </a:rPr>
+              <a:t>, Climbing, </a:t>
+            </a:r>
+            <a:r>
+              <a:rPr lang="en-US" sz="2500" dirty="0" smtClean="0">
+                <a:uFill>
+                  <a:solidFill/>
+                </a:uFill>
+              </a:rPr>
+              <a:t>Computers, the Internet, </a:t>
+            </a:r>
+            <a:r>
+              <a:rPr lang="en-US" sz="2500" dirty="0" smtClean="0">
+                <a:uFill>
+                  <a:solidFill/>
+                </a:uFill>
+              </a:rPr>
+              <a:t>Literature</a:t>
             </a:r>
             <a:endParaRPr sz="2500" dirty="0">
               <a:uFill>
@@ -9183,6 +9194,11 @@
         </p:txBody>
       </p:sp>
     </p:spTree>
+    <p:extLst>
+      <p:ext uri="{BB962C8B-B14F-4D97-AF65-F5344CB8AC3E}">
+        <p14:creationId xmlns:p14="http://schemas.microsoft.com/office/powerpoint/2010/main" val="3925888860"/>
+      </p:ext>
+    </p:extLst>
   </p:cSld>
   <p:clrMapOvr>
     <a:masterClrMapping/>
@@ -12136,15 +12152,7 @@
                   <a:solidFill/>
                 </a:uFill>
               </a:rPr>
-              <a:t> </a:t>
-            </a:r>
-            <a:r>
-              <a:rPr lang="en-US" sz="3600" b="1" cap="all" spc="-72" dirty="0" smtClean="0">
-                <a:uFill>
-                  <a:solidFill/>
-                </a:uFill>
-              </a:rPr>
-              <a:t>a database?</a:t>
+              <a:t> a database?</a:t>
             </a:r>
             <a:endParaRPr sz="3600" b="1" cap="all" spc="-72" dirty="0">
               <a:uFill>

--- a/Slides/SQL Bootcamp.pptx
+++ b/Slides/SQL Bootcamp.pptx
@@ -2129,7 +2129,7 @@
         <p:spPr>
           <a:xfrm>
             <a:off x="635000" y="2147856"/>
-            <a:ext cx="11734800" cy="1384353"/>
+            <a:ext cx="11734800" cy="2654701"/>
           </a:xfrm>
           <a:prstGeom prst="rect">
             <a:avLst/>
@@ -2160,6 +2160,26 @@
               </a:defRPr>
             </a:lvl1pPr>
           </a:lstStyle>
+          <a:p>
+            <a:pPr lvl="0">
+              <a:defRPr sz="1800" b="0" cap="none" spc="0">
+                <a:solidFill>
+                  <a:srgbClr val="000000"/>
+                </a:solidFill>
+                <a:uFillTx/>
+              </a:defRPr>
+            </a:pPr>
+            <a:endParaRPr lang="en-US" sz="12700" b="1" cap="all" spc="-254" dirty="0" smtClean="0">
+              <a:solidFill>
+                <a:srgbClr val="FFFFFF"/>
+              </a:solidFill>
+              <a:uFill>
+                <a:solidFill>
+                  <a:srgbClr val="FFFFFF"/>
+                </a:solidFill>
+              </a:uFill>
+            </a:endParaRPr>
+          </a:p>
           <a:p>
             <a:pPr lvl="0">
               <a:defRPr sz="1800" b="0" cap="none" spc="0">
@@ -8371,8 +8391,13 @@
                   <a:solidFill/>
                 </a:uFill>
               </a:rPr>
-              <a:t>:  GA-Guest</a:t>
-            </a:r>
+              <a:t>:  1776 Guest</a:t>
+            </a:r>
+            <a:endParaRPr lang="en-US" sz="2500" dirty="0" smtClean="0">
+              <a:uFill>
+                <a:solidFill/>
+              </a:uFill>
+            </a:endParaRPr>
           </a:p>
           <a:p>
             <a:pPr marL="177800" lvl="1" indent="-177800" defTabSz="647700">
@@ -8402,12 +8427,20 @@
               <a:t>Password:  </a:t>
             </a:r>
             <a:r>
-              <a:rPr lang="en-US" sz="2500" dirty="0" err="1" smtClean="0">
-                <a:uFill>
-                  <a:solidFill/>
-                </a:uFill>
-              </a:rPr>
-              <a:t>yellowpencil</a:t>
+              <a:rPr lang="en-US" sz="2500" dirty="0" smtClean="0">
+                <a:uFill>
+                  <a:solidFill/>
+                </a:uFill>
+              </a:rPr>
+              <a:t>Jefferson</a:t>
+            </a:r>
+            <a:r>
+              <a:rPr lang="en-US" sz="2500" dirty="0" smtClean="0">
+                <a:uFill>
+                  <a:solidFill/>
+                </a:uFill>
+              </a:rPr>
+              <a:t>1776</a:t>
             </a:r>
             <a:endParaRPr lang="en-US" sz="2500" dirty="0" smtClean="0">
               <a:uFill>
@@ -8942,31 +8975,7 @@
                   <a:solidFill/>
                 </a:uFill>
               </a:rPr>
-              <a:t>Cycling, Backcountry Camping</a:t>
-            </a:r>
-            <a:r>
-              <a:rPr lang="en-US" sz="2500" dirty="0" smtClean="0">
-                <a:uFill>
-                  <a:solidFill/>
-                </a:uFill>
-              </a:rPr>
-              <a:t>, Climbing, </a:t>
-            </a:r>
-            <a:r>
-              <a:rPr lang="en-US" sz="2500" dirty="0" smtClean="0">
-                <a:uFill>
-                  <a:solidFill/>
-                </a:uFill>
-              </a:rPr>
-              <a:t>Computers, the Internet, </a:t>
-            </a:r>
-            <a:r>
-              <a:rPr lang="en-US" sz="2500" dirty="0" smtClean="0">
-                <a:uFill>
-                  <a:solidFill/>
-                </a:uFill>
-              </a:rPr>
-              <a:t>Literature</a:t>
+              <a:t>Cycling, Backcountry Camping, Climbing, Computers, the Internet, Literature</a:t>
             </a:r>
             <a:endParaRPr sz="2500" dirty="0">
               <a:uFill>
